--- a/Learning Materials/Unity/8. Sound/Sound.pptx
+++ b/Learning Materials/Unity/8. Sound/Sound.pptx
@@ -24,6 +24,9 @@
     <p:sldId id="404" r:id="rId16"/>
     <p:sldId id="405" r:id="rId17"/>
     <p:sldId id="406" r:id="rId18"/>
+    <p:sldId id="407" r:id="rId19"/>
+    <p:sldId id="408" r:id="rId20"/>
+    <p:sldId id="409" r:id="rId21"/>
   </p:sldIdLst>
   <p:sldSz cx="12192000" cy="6858000"/>
   <p:notesSz cx="6858000" cy="9144000"/>
@@ -4684,7 +4687,9 @@
         </p:nvSpPr>
         <p:spPr/>
         <p:txBody>
-          <a:bodyPr/>
+          <a:bodyPr>
+            <a:normAutofit fontScale="92500" lnSpcReduction="10000"/>
+          </a:bodyPr>
           <a:p>
             <a:pPr marL="342900" indent="-342900" algn="l" defTabSz="914400" rtl="0" eaLnBrk="1" latinLnBrk="1" hangingPunct="1">
               <a:lnSpc>
@@ -4883,6 +4888,231 @@
             <a:endParaRPr xmlns:mc="http://schemas.openxmlformats.org/markup-compatibility/2006" xmlns:hp="http://schemas.haansoft.com/office/presentation/8.0" kumimoji="0" lang="ko-KR" altLang="en-US" sz="2000" b="0" i="0" u="none" strike="noStrike" kern="1200" cap="none" spc="0" normalizeH="0" baseline="0" mc:Ignorable="hp" hp:hslEmbossed="0">
               <a:solidFill>
                 <a:schemeClr val="tx1"/>
+              </a:solidFill>
+              <a:latin typeface="맑은 고딕"/>
+              <a:ea typeface="맑은 고딕"/>
+            </a:endParaRPr>
+          </a:p>
+          <a:p>
+            <a:pPr marL="342900" indent="-342900" algn="l" defTabSz="914400" rtl="0" eaLnBrk="1" latinLnBrk="1" hangingPunct="1">
+              <a:lnSpc>
+                <a:spcPct val="100000"/>
+              </a:lnSpc>
+              <a:spcBef>
+                <a:spcPct val="20000"/>
+              </a:spcBef>
+              <a:spcAft>
+                <a:spcPts val="0"/>
+              </a:spcAft>
+              <a:buFont typeface="Arial"/>
+              <a:buChar char="•"/>
+              <a:defRPr/>
+            </a:pPr>
+            <a:r>
+              <a:rPr xmlns:mc="http://schemas.openxmlformats.org/markup-compatibility/2006" xmlns:hp="http://schemas.haansoft.com/office/presentation/8.0" kumimoji="0" lang="en-US" altLang="ko-KR" sz="2000" b="0" i="0" u="none" strike="noStrike" kern="1200" cap="none" spc="0" normalizeH="0" baseline="0" mc:Ignorable="hp" hp:hslEmbossed="0">
+                <a:solidFill>
+                  <a:schemeClr val="tx1"/>
+                </a:solidFill>
+                <a:latin typeface="맑은 고딕"/>
+                <a:ea typeface="맑은 고딕"/>
+              </a:rPr>
+              <a:t>AudioListener</a:t>
+            </a:r>
+            <a:r>
+              <a:rPr xmlns:mc="http://schemas.openxmlformats.org/markup-compatibility/2006" xmlns:hp="http://schemas.haansoft.com/office/presentation/8.0" kumimoji="0" lang="ko-KR" altLang="en-US" sz="2000" b="0" i="0" u="none" strike="noStrike" kern="1200" cap="none" spc="0" normalizeH="0" baseline="0" mc:Ignorable="hp" hp:hslEmbossed="0">
+                <a:solidFill>
+                  <a:schemeClr val="tx1"/>
+                </a:solidFill>
+                <a:latin typeface="맑은 고딕"/>
+                <a:ea typeface="맑은 고딕"/>
+              </a:rPr>
+              <a:t> </a:t>
+            </a:r>
+            <a:r>
+              <a:rPr xmlns:mc="http://schemas.openxmlformats.org/markup-compatibility/2006" xmlns:hp="http://schemas.haansoft.com/office/presentation/8.0" kumimoji="0" lang="en-US" altLang="ko-KR" sz="2000" b="0" i="0" u="none" strike="noStrike" kern="1200" cap="none" spc="0" normalizeH="0" baseline="0" mc:Ignorable="hp" hp:hslEmbossed="0">
+                <a:solidFill>
+                  <a:schemeClr val="tx1"/>
+                </a:solidFill>
+                <a:latin typeface="맑은 고딕"/>
+                <a:ea typeface="맑은 고딕"/>
+              </a:rPr>
+              <a:t>Component</a:t>
+            </a:r>
+            <a:r>
+              <a:rPr xmlns:mc="http://schemas.openxmlformats.org/markup-compatibility/2006" xmlns:hp="http://schemas.haansoft.com/office/presentation/8.0" kumimoji="0" lang="ko-KR" altLang="en-US" sz="2000" b="0" i="0" u="none" strike="noStrike" kern="1200" cap="none" spc="0" normalizeH="0" baseline="0" mc:Ignorable="hp" hp:hslEmbossed="0">
+                <a:solidFill>
+                  <a:schemeClr val="tx1"/>
+                </a:solidFill>
+                <a:latin typeface="맑은 고딕"/>
+                <a:ea typeface="맑은 고딕"/>
+              </a:rPr>
+              <a:t>를 붙이는 </a:t>
+            </a:r>
+            <a:r>
+              <a:rPr xmlns:mc="http://schemas.openxmlformats.org/markup-compatibility/2006" xmlns:hp="http://schemas.haansoft.com/office/presentation/8.0" kumimoji="0" lang="en-US" altLang="ko-KR" sz="2000" b="0" i="0" u="none" strike="noStrike" kern="1200" cap="none" spc="0" normalizeH="0" baseline="0" mc:Ignorable="hp" hp:hslEmbossed="0">
+                <a:solidFill>
+                  <a:schemeClr val="tx1"/>
+                </a:solidFill>
+                <a:latin typeface="맑은 고딕"/>
+                <a:ea typeface="맑은 고딕"/>
+              </a:rPr>
+              <a:t>Object</a:t>
+            </a:r>
+            <a:r>
+              <a:rPr xmlns:mc="http://schemas.openxmlformats.org/markup-compatibility/2006" xmlns:hp="http://schemas.haansoft.com/office/presentation/8.0" kumimoji="0" lang="ko-KR" altLang="en-US" sz="2000" b="0" i="0" u="none" strike="noStrike" kern="1200" cap="none" spc="0" normalizeH="0" baseline="0" mc:Ignorable="hp" hp:hslEmbossed="0">
+                <a:solidFill>
+                  <a:schemeClr val="tx1"/>
+                </a:solidFill>
+                <a:latin typeface="맑은 고딕"/>
+                <a:ea typeface="맑은 고딕"/>
+              </a:rPr>
+              <a:t>의 위치에 따라 </a:t>
+            </a:r>
+            <a:r>
+              <a:rPr xmlns:mc="http://schemas.openxmlformats.org/markup-compatibility/2006" xmlns:hp="http://schemas.haansoft.com/office/presentation/8.0" kumimoji="0" lang="en-US" altLang="ko-KR" sz="2000" b="0" i="0" u="none" strike="noStrike" kern="1200" cap="none" spc="0" normalizeH="0" baseline="0" mc:Ignorable="hp" hp:hslEmbossed="0">
+                <a:solidFill>
+                  <a:schemeClr val="tx1"/>
+                </a:solidFill>
+                <a:latin typeface="맑은 고딕"/>
+                <a:ea typeface="맑은 고딕"/>
+              </a:rPr>
+              <a:t>Sound</a:t>
+            </a:r>
+            <a:r>
+              <a:rPr xmlns:mc="http://schemas.openxmlformats.org/markup-compatibility/2006" xmlns:hp="http://schemas.haansoft.com/office/presentation/8.0" kumimoji="0" lang="ko-KR" altLang="en-US" sz="2000" b="0" i="0" u="none" strike="noStrike" kern="1200" cap="none" spc="0" normalizeH="0" baseline="0" mc:Ignorable="hp" hp:hslEmbossed="0">
+                <a:solidFill>
+                  <a:schemeClr val="tx1"/>
+                </a:solidFill>
+                <a:latin typeface="맑은 고딕"/>
+                <a:ea typeface="맑은 고딕"/>
+              </a:rPr>
+              <a:t>를 듣는 기준점이 변경됨</a:t>
+            </a:r>
+            <a:endParaRPr xmlns:mc="http://schemas.openxmlformats.org/markup-compatibility/2006" xmlns:hp="http://schemas.haansoft.com/office/presentation/8.0" kumimoji="0" lang="ko-KR" altLang="en-US" sz="2000" b="0" i="0" u="none" strike="noStrike" kern="1200" cap="none" spc="0" normalizeH="0" baseline="0" mc:Ignorable="hp" hp:hslEmbossed="0">
+              <a:solidFill>
+                <a:schemeClr val="tx1"/>
+              </a:solidFill>
+              <a:latin typeface="맑은 고딕"/>
+              <a:ea typeface="맑은 고딕"/>
+            </a:endParaRPr>
+          </a:p>
+          <a:p>
+            <a:pPr lvl="1">
+              <a:defRPr/>
+            </a:pPr>
+            <a:r>
+              <a:rPr xmlns:mc="http://schemas.openxmlformats.org/markup-compatibility/2006" xmlns:hp="http://schemas.haansoft.com/office/presentation/8.0" kumimoji="0" lang="ko-KR" altLang="en-US" sz="2000" b="0" i="0" u="none" strike="noStrike" kern="1200" cap="none" spc="0" normalizeH="0" baseline="0" mc:Ignorable="hp" hp:hslEmbossed="0">
+                <a:solidFill>
+                  <a:srgbClr val="000000"/>
+                </a:solidFill>
+                <a:latin typeface="맑은 고딕"/>
+                <a:ea typeface="맑은 고딕"/>
+              </a:rPr>
+              <a:t>단</a:t>
+            </a:r>
+            <a:r>
+              <a:rPr xmlns:mc="http://schemas.openxmlformats.org/markup-compatibility/2006" xmlns:hp="http://schemas.haansoft.com/office/presentation/8.0" kumimoji="0" lang="en-US" altLang="ko-KR" sz="2000" b="0" i="0" u="none" strike="noStrike" kern="1200" cap="none" spc="0" normalizeH="0" baseline="0" mc:Ignorable="hp" hp:hslEmbossed="0">
+                <a:solidFill>
+                  <a:srgbClr val="000000"/>
+                </a:solidFill>
+                <a:latin typeface="맑은 고딕"/>
+                <a:ea typeface="맑은 고딕"/>
+              </a:rPr>
+              <a:t>,</a:t>
+            </a:r>
+            <a:r>
+              <a:rPr xmlns:mc="http://schemas.openxmlformats.org/markup-compatibility/2006" xmlns:hp="http://schemas.haansoft.com/office/presentation/8.0" kumimoji="0" lang="ko-KR" altLang="en-US" sz="2000" b="0" i="0" u="none" strike="noStrike" kern="1200" cap="none" spc="0" normalizeH="0" baseline="0" mc:Ignorable="hp" hp:hslEmbossed="0">
+                <a:solidFill>
+                  <a:srgbClr val="000000"/>
+                </a:solidFill>
+                <a:latin typeface="맑은 고딕"/>
+                <a:ea typeface="맑은 고딕"/>
+              </a:rPr>
+              <a:t> 여러 </a:t>
+            </a:r>
+            <a:r>
+              <a:rPr xmlns:mc="http://schemas.openxmlformats.org/markup-compatibility/2006" xmlns:hp="http://schemas.haansoft.com/office/presentation/8.0" kumimoji="0" lang="en-US" altLang="ko-KR" sz="2000" b="0" i="0" u="none" strike="noStrike" kern="1200" cap="none" spc="0" normalizeH="0" baseline="0" mc:Ignorable="hp" hp:hslEmbossed="0">
+                <a:solidFill>
+                  <a:srgbClr val="000000"/>
+                </a:solidFill>
+                <a:latin typeface="맑은 고딕"/>
+                <a:ea typeface="맑은 고딕"/>
+              </a:rPr>
+              <a:t>Object</a:t>
+            </a:r>
+            <a:r>
+              <a:rPr xmlns:mc="http://schemas.openxmlformats.org/markup-compatibility/2006" xmlns:hp="http://schemas.haansoft.com/office/presentation/8.0" kumimoji="0" lang="ko-KR" altLang="en-US" sz="2000" b="0" i="0" u="none" strike="noStrike" kern="1200" cap="none" spc="0" normalizeH="0" baseline="0" mc:Ignorable="hp" hp:hslEmbossed="0">
+                <a:solidFill>
+                  <a:srgbClr val="000000"/>
+                </a:solidFill>
+                <a:latin typeface="맑은 고딕"/>
+                <a:ea typeface="맑은 고딕"/>
+              </a:rPr>
+              <a:t>에 </a:t>
+            </a:r>
+            <a:r>
+              <a:rPr xmlns:mc="http://schemas.openxmlformats.org/markup-compatibility/2006" xmlns:hp="http://schemas.haansoft.com/office/presentation/8.0" kumimoji="0" lang="en-US" altLang="ko-KR" sz="2000" b="0" i="0" u="none" strike="noStrike" kern="1200" cap="none" spc="0" normalizeH="0" baseline="0" mc:Ignorable="hp" hp:hslEmbossed="0">
+                <a:solidFill>
+                  <a:srgbClr val="000000"/>
+                </a:solidFill>
+                <a:latin typeface="맑은 고딕"/>
+                <a:ea typeface="맑은 고딕"/>
+              </a:rPr>
+              <a:t>AudioListener Component</a:t>
+            </a:r>
+            <a:r>
+              <a:rPr xmlns:mc="http://schemas.openxmlformats.org/markup-compatibility/2006" xmlns:hp="http://schemas.haansoft.com/office/presentation/8.0" kumimoji="0" lang="ko-KR" altLang="en-US" sz="2000" b="0" i="0" u="none" strike="noStrike" kern="1200" cap="none" spc="0" normalizeH="0" baseline="0" mc:Ignorable="hp" hp:hslEmbossed="0">
+                <a:solidFill>
+                  <a:srgbClr val="000000"/>
+                </a:solidFill>
+                <a:latin typeface="맑은 고딕"/>
+                <a:ea typeface="맑은 고딕"/>
+              </a:rPr>
+              <a:t>가 있으면 안됨</a:t>
+            </a:r>
+            <a:r>
+              <a:rPr xmlns:mc="http://schemas.openxmlformats.org/markup-compatibility/2006" xmlns:hp="http://schemas.haansoft.com/office/presentation/8.0" kumimoji="0" lang="en-US" altLang="ko-KR" sz="2000" b="0" i="0" u="none" strike="noStrike" kern="1200" cap="none" spc="0" normalizeH="0" baseline="0" mc:Ignorable="hp" hp:hslEmbossed="0">
+                <a:solidFill>
+                  <a:srgbClr val="000000"/>
+                </a:solidFill>
+                <a:latin typeface="맑은 고딕"/>
+                <a:ea typeface="맑은 고딕"/>
+              </a:rPr>
+              <a:t>,</a:t>
+            </a:r>
+            <a:r>
+              <a:rPr xmlns:mc="http://schemas.openxmlformats.org/markup-compatibility/2006" xmlns:hp="http://schemas.haansoft.com/office/presentation/8.0" kumimoji="0" lang="ko-KR" altLang="en-US" sz="2000" b="0" i="0" u="none" strike="noStrike" kern="1200" cap="none" spc="0" normalizeH="0" baseline="0" mc:Ignorable="hp" hp:hslEmbossed="0">
+                <a:solidFill>
+                  <a:srgbClr val="000000"/>
+                </a:solidFill>
+                <a:latin typeface="맑은 고딕"/>
+                <a:ea typeface="맑은 고딕"/>
+              </a:rPr>
+              <a:t> 오직 한 </a:t>
+            </a:r>
+            <a:r>
+              <a:rPr xmlns:mc="http://schemas.openxmlformats.org/markup-compatibility/2006" xmlns:hp="http://schemas.haansoft.com/office/presentation/8.0" kumimoji="0" lang="en-US" altLang="ko-KR" sz="2000" b="0" i="0" u="none" strike="noStrike" kern="1200" cap="none" spc="0" normalizeH="0" baseline="0" mc:Ignorable="hp" hp:hslEmbossed="0">
+                <a:solidFill>
+                  <a:srgbClr val="000000"/>
+                </a:solidFill>
+                <a:latin typeface="맑은 고딕"/>
+                <a:ea typeface="맑은 고딕"/>
+              </a:rPr>
+              <a:t>Object</a:t>
+            </a:r>
+            <a:r>
+              <a:rPr xmlns:mc="http://schemas.openxmlformats.org/markup-compatibility/2006" xmlns:hp="http://schemas.haansoft.com/office/presentation/8.0" kumimoji="0" lang="ko-KR" altLang="en-US" sz="2000" b="0" i="0" u="none" strike="noStrike" kern="1200" cap="none" spc="0" normalizeH="0" baseline="0" mc:Ignorable="hp" hp:hslEmbossed="0">
+                <a:solidFill>
+                  <a:srgbClr val="000000"/>
+                </a:solidFill>
+                <a:latin typeface="맑은 고딕"/>
+                <a:ea typeface="맑은 고딕"/>
+              </a:rPr>
+              <a:t>에만 있어야함</a:t>
+            </a:r>
+            <a:endParaRPr xmlns:mc="http://schemas.openxmlformats.org/markup-compatibility/2006" xmlns:hp="http://schemas.haansoft.com/office/presentation/8.0" kumimoji="0" lang="ko-KR" altLang="en-US" sz="2000" b="0" i="0" u="none" strike="noStrike" kern="1200" cap="none" spc="0" normalizeH="0" baseline="0" mc:Ignorable="hp" hp:hslEmbossed="0">
+              <a:solidFill>
+                <a:srgbClr val="000000"/>
               </a:solidFill>
               <a:latin typeface="맑은 고딕"/>
               <a:ea typeface="맑은 고딕"/>
@@ -4988,7 +5218,7 @@
             </a:r>
             <a:endParaRPr xmlns:mc="http://schemas.openxmlformats.org/markup-compatibility/2006" xmlns:hp="http://schemas.haansoft.com/office/presentation/8.0" kumimoji="0" lang="en-US" altLang="ko-KR" sz="2000" b="0" i="0" u="none" strike="noStrike" kern="1200" cap="none" spc="0" normalizeH="0" baseline="0" mc:Ignorable="hp" hp:hslEmbossed="0">
               <a:solidFill>
-                <a:schemeClr val="tx1"/>
+                <a:srgbClr val="ff0000"/>
               </a:solidFill>
               <a:latin typeface="맑은 고딕"/>
               <a:ea typeface="맑은 고딕"/>
@@ -5081,6 +5311,317 @@
             <a:endParaRPr xmlns:mc="http://schemas.openxmlformats.org/markup-compatibility/2006" xmlns:hp="http://schemas.haansoft.com/office/presentation/8.0" kumimoji="0" lang="en-US" altLang="ko-KR" sz="2000" b="0" i="0" u="none" strike="noStrike" kern="1200" cap="none" spc="0" normalizeH="0" baseline="0" mc:Ignorable="hp" hp:hslEmbossed="0">
               <a:solidFill>
                 <a:srgbClr val="000000"/>
+              </a:solidFill>
+              <a:latin typeface="맑은 고딕"/>
+              <a:ea typeface="맑은 고딕"/>
+            </a:endParaRPr>
+          </a:p>
+          <a:p>
+            <a:pPr marL="342900" indent="-342900" algn="l" defTabSz="914400" rtl="0" eaLnBrk="1" latinLnBrk="1" hangingPunct="1">
+              <a:lnSpc>
+                <a:spcPct val="100000"/>
+              </a:lnSpc>
+              <a:spcBef>
+                <a:spcPct val="20000"/>
+              </a:spcBef>
+              <a:spcAft>
+                <a:spcPts val="0"/>
+              </a:spcAft>
+              <a:buFont typeface="Arial"/>
+              <a:buChar char="•"/>
+              <a:defRPr/>
+            </a:pPr>
+            <a:r>
+              <a:rPr xmlns:mc="http://schemas.openxmlformats.org/markup-compatibility/2006" xmlns:hp="http://schemas.haansoft.com/office/presentation/8.0" kumimoji="0" lang="ko-KR" altLang="en-US" sz="2000" b="0" i="0" u="none" strike="noStrike" kern="1200" cap="none" spc="0" normalizeH="0" baseline="0" mc:Ignorable="hp" hp:hslEmbossed="0">
+                <a:solidFill>
+                  <a:schemeClr val="tx1"/>
+                </a:solidFill>
+                <a:latin typeface="맑은 고딕"/>
+                <a:ea typeface="맑은 고딕"/>
+              </a:rPr>
+              <a:t>드래그 앤 드롭으로 </a:t>
+            </a:r>
+            <a:r>
+              <a:rPr xmlns:mc="http://schemas.openxmlformats.org/markup-compatibility/2006" xmlns:hp="http://schemas.haansoft.com/office/presentation/8.0" kumimoji="0" lang="en-US" altLang="ko-KR" sz="2000" b="0" i="0" u="none" strike="noStrike" kern="1200" cap="none" spc="0" normalizeH="0" baseline="0" mc:Ignorable="hp" hp:hslEmbossed="0">
+                <a:solidFill>
+                  <a:schemeClr val="tx1"/>
+                </a:solidFill>
+                <a:latin typeface="맑은 고딕"/>
+                <a:ea typeface="맑은 고딕"/>
+              </a:rPr>
+              <a:t>Sound</a:t>
+            </a:r>
+            <a:r>
+              <a:rPr xmlns:mc="http://schemas.openxmlformats.org/markup-compatibility/2006" xmlns:hp="http://schemas.haansoft.com/office/presentation/8.0" kumimoji="0" lang="ko-KR" altLang="en-US" sz="2000" b="0" i="0" u="none" strike="noStrike" kern="1200" cap="none" spc="0" normalizeH="0" baseline="0" mc:Ignorable="hp" hp:hslEmbossed="0">
+                <a:solidFill>
+                  <a:schemeClr val="tx1"/>
+                </a:solidFill>
+                <a:latin typeface="맑은 고딕"/>
+                <a:ea typeface="맑은 고딕"/>
+              </a:rPr>
+              <a:t>를 연결할 수 있게</a:t>
+            </a:r>
+            <a:r>
+              <a:rPr xmlns:mc="http://schemas.openxmlformats.org/markup-compatibility/2006" xmlns:hp="http://schemas.haansoft.com/office/presentation/8.0" kumimoji="0" lang="en-US" altLang="ko-KR" sz="2000" b="0" i="0" u="none" strike="noStrike" kern="1200" cap="none" spc="0" normalizeH="0" baseline="0" mc:Ignorable="hp" hp:hslEmbossed="0">
+                <a:solidFill>
+                  <a:schemeClr val="tx1"/>
+                </a:solidFill>
+                <a:latin typeface="맑은 고딕"/>
+                <a:ea typeface="맑은 고딕"/>
+              </a:rPr>
+              <a:t>,</a:t>
+            </a:r>
+            <a:r>
+              <a:rPr xmlns:mc="http://schemas.openxmlformats.org/markup-compatibility/2006" xmlns:hp="http://schemas.haansoft.com/office/presentation/8.0" kumimoji="0" lang="ko-KR" altLang="en-US" sz="2000" b="0" i="0" u="none" strike="noStrike" kern="1200" cap="none" spc="0" normalizeH="0" baseline="0" mc:Ignorable="hp" hp:hslEmbossed="0">
+                <a:solidFill>
+                  <a:schemeClr val="tx1"/>
+                </a:solidFill>
+                <a:latin typeface="맑은 고딕"/>
+                <a:ea typeface="맑은 고딕"/>
+              </a:rPr>
+              <a:t> </a:t>
+            </a:r>
+            <a:r>
+              <a:rPr xmlns:mc="http://schemas.openxmlformats.org/markup-compatibility/2006" xmlns:hp="http://schemas.haansoft.com/office/presentation/8.0" kumimoji="0" lang="en-US" altLang="ko-KR" sz="2000" b="0" i="0" u="none" strike="noStrike" kern="1200" cap="none" spc="0" normalizeH="0" baseline="0" mc:Ignorable="hp" hp:hslEmbossed="0">
+                <a:solidFill>
+                  <a:schemeClr val="tx1"/>
+                </a:solidFill>
+                <a:latin typeface="맑은 고딕"/>
+                <a:ea typeface="맑은 고딕"/>
+              </a:rPr>
+              <a:t>SoundManager</a:t>
+            </a:r>
+            <a:r>
+              <a:rPr xmlns:mc="http://schemas.openxmlformats.org/markup-compatibility/2006" xmlns:hp="http://schemas.haansoft.com/office/presentation/8.0" kumimoji="0" lang="ko-KR" altLang="en-US" sz="2000" b="0" i="0" u="none" strike="noStrike" kern="1200" cap="none" spc="0" normalizeH="0" baseline="0" mc:Ignorable="hp" hp:hslEmbossed="0">
+                <a:solidFill>
+                  <a:schemeClr val="tx1"/>
+                </a:solidFill>
+                <a:latin typeface="맑은 고딕"/>
+                <a:ea typeface="맑은 고딕"/>
+              </a:rPr>
+              <a:t> </a:t>
+            </a:r>
+            <a:r>
+              <a:rPr xmlns:mc="http://schemas.openxmlformats.org/markup-compatibility/2006" xmlns:hp="http://schemas.haansoft.com/office/presentation/8.0" kumimoji="0" lang="en-US" altLang="ko-KR" sz="2000" b="0" i="0" u="none" strike="noStrike" kern="1200" cap="none" spc="0" normalizeH="0" baseline="0" mc:Ignorable="hp" hp:hslEmbossed="0">
+                <a:solidFill>
+                  <a:schemeClr val="tx1"/>
+                </a:solidFill>
+                <a:latin typeface="맑은 고딕"/>
+                <a:ea typeface="맑은 고딕"/>
+              </a:rPr>
+              <a:t>-</a:t>
+            </a:r>
+            <a:r>
+              <a:rPr xmlns:mc="http://schemas.openxmlformats.org/markup-compatibility/2006" xmlns:hp="http://schemas.haansoft.com/office/presentation/8.0" kumimoji="0" lang="ko-KR" altLang="en-US" sz="2000" b="0" i="0" u="none" strike="noStrike" kern="1200" cap="none" spc="0" normalizeH="0" baseline="0" mc:Ignorable="hp" hp:hslEmbossed="0">
+                <a:solidFill>
+                  <a:schemeClr val="tx1"/>
+                </a:solidFill>
+                <a:latin typeface="맑은 고딕"/>
+                <a:ea typeface="맑은 고딕"/>
+              </a:rPr>
+              <a:t> </a:t>
+            </a:r>
+            <a:r>
+              <a:rPr xmlns:mc="http://schemas.openxmlformats.org/markup-compatibility/2006" xmlns:hp="http://schemas.haansoft.com/office/presentation/8.0" kumimoji="0" lang="en-US" altLang="ko-KR" sz="2000" b="0" i="0" u="none" strike="noStrike" kern="1200" cap="none" spc="0" normalizeH="0" baseline="0" mc:Ignorable="hp" hp:hslEmbossed="0">
+                <a:solidFill>
+                  <a:schemeClr val="tx1"/>
+                </a:solidFill>
+                <a:latin typeface="맑은 고딕"/>
+                <a:ea typeface="맑은 고딕"/>
+              </a:rPr>
+              <a:t>Play</a:t>
+            </a:r>
+            <a:r>
+              <a:rPr xmlns:mc="http://schemas.openxmlformats.org/markup-compatibility/2006" xmlns:hp="http://schemas.haansoft.com/office/presentation/8.0" kumimoji="0" lang="ko-KR" altLang="en-US" sz="2000" b="0" i="0" u="none" strike="noStrike" kern="1200" cap="none" spc="0" normalizeH="0" baseline="0" mc:Ignorable="hp" hp:hslEmbossed="0">
+                <a:solidFill>
+                  <a:schemeClr val="tx1"/>
+                </a:solidFill>
+                <a:latin typeface="맑은 고딕"/>
+                <a:ea typeface="맑은 고딕"/>
+              </a:rPr>
+              <a:t>의 다른 버전을 생성 </a:t>
+            </a:r>
+            <a:r>
+              <a:rPr xmlns:mc="http://schemas.openxmlformats.org/markup-compatibility/2006" xmlns:hp="http://schemas.haansoft.com/office/presentation/8.0" kumimoji="0" lang="en-US" altLang="ko-KR" sz="2000" b="0" i="0" u="none" strike="noStrike" kern="1200" cap="none" spc="0" normalizeH="0" baseline="0" mc:Ignorable="hp" hp:hslEmbossed="0">
+                <a:solidFill>
+                  <a:schemeClr val="tx1"/>
+                </a:solidFill>
+                <a:latin typeface="맑은 고딕"/>
+                <a:ea typeface="맑은 고딕"/>
+              </a:rPr>
+              <a:t>-&gt;</a:t>
+            </a:r>
+            <a:r>
+              <a:rPr xmlns:mc="http://schemas.openxmlformats.org/markup-compatibility/2006" xmlns:hp="http://schemas.haansoft.com/office/presentation/8.0" kumimoji="0" lang="ko-KR" altLang="en-US" sz="2000" b="0" i="0" u="none" strike="noStrike" kern="1200" cap="none" spc="0" normalizeH="0" baseline="0" mc:Ignorable="hp" hp:hslEmbossed="0">
+                <a:solidFill>
+                  <a:schemeClr val="tx1"/>
+                </a:solidFill>
+                <a:latin typeface="맑은 고딕"/>
+                <a:ea typeface="맑은 고딕"/>
+              </a:rPr>
+              <a:t> </a:t>
+            </a:r>
+            <a:r>
+              <a:rPr xmlns:mc="http://schemas.openxmlformats.org/markup-compatibility/2006" xmlns:hp="http://schemas.haansoft.com/office/presentation/8.0" kumimoji="0" lang="en-US" altLang="ko-KR" sz="2000" b="0" i="0" u="none" strike="noStrike" kern="1200" cap="none" spc="0" normalizeH="0" baseline="0" mc:Ignorable="hp" hp:hslEmbossed="0">
+                <a:solidFill>
+                  <a:srgbClr val="ff0000"/>
+                </a:solidFill>
+                <a:latin typeface="맑은 고딕"/>
+                <a:ea typeface="맑은 고딕"/>
+              </a:rPr>
+              <a:t>SoundManager </a:t>
+            </a:r>
+            <a:r>
+              <a:rPr xmlns:mc="http://schemas.openxmlformats.org/markup-compatibility/2006" xmlns:hp="http://schemas.haansoft.com/office/presentation/8.0" kumimoji="0" lang="ko-KR" altLang="en-US" sz="2000" b="0" i="0" u="none" strike="noStrike" kern="1200" cap="none" spc="0" normalizeH="0" baseline="0" mc:Ignorable="hp" hp:hslEmbossed="0">
+                <a:solidFill>
+                  <a:srgbClr val="ff0000"/>
+                </a:solidFill>
+                <a:latin typeface="맑은 고딕"/>
+                <a:ea typeface="맑은 고딕"/>
+              </a:rPr>
+              <a:t>개편</a:t>
+            </a:r>
+            <a:endParaRPr xmlns:mc="http://schemas.openxmlformats.org/markup-compatibility/2006" xmlns:hp="http://schemas.haansoft.com/office/presentation/8.0" kumimoji="0" lang="ko-KR" altLang="en-US" sz="2000" b="0" i="0" u="none" strike="noStrike" kern="1200" cap="none" spc="0" normalizeH="0" baseline="0" mc:Ignorable="hp" hp:hslEmbossed="0">
+              <a:solidFill>
+                <a:srgbClr val="ff0000"/>
+              </a:solidFill>
+              <a:latin typeface="맑은 고딕"/>
+              <a:ea typeface="맑은 고딕"/>
+            </a:endParaRPr>
+          </a:p>
+          <a:p>
+            <a:pPr lvl="1">
+              <a:defRPr/>
+            </a:pPr>
+            <a:r>
+              <a:rPr xmlns:mc="http://schemas.openxmlformats.org/markup-compatibility/2006" xmlns:hp="http://schemas.haansoft.com/office/presentation/8.0" kumimoji="0" lang="ko-KR" altLang="en-US" sz="2000" b="0" i="0" u="none" strike="noStrike" kern="1200" cap="none" spc="0" normalizeH="0" baseline="0" mc:Ignorable="hp" hp:hslEmbossed="0">
+                <a:solidFill>
+                  <a:srgbClr val="000000"/>
+                </a:solidFill>
+                <a:latin typeface="맑은 고딕"/>
+                <a:ea typeface="맑은 고딕"/>
+              </a:rPr>
+              <a:t>예제 </a:t>
+            </a:r>
+            <a:r>
+              <a:rPr xmlns:mc="http://schemas.openxmlformats.org/markup-compatibility/2006" xmlns:hp="http://schemas.haansoft.com/office/presentation/8.0" kumimoji="0" lang="en-US" altLang="ko-KR" sz="2000" b="0" i="0" u="none" strike="noStrike" kern="1200" cap="none" spc="0" normalizeH="0" baseline="0" mc:Ignorable="hp" hp:hslEmbossed="0">
+                <a:solidFill>
+                  <a:srgbClr val="000000"/>
+                </a:solidFill>
+                <a:latin typeface="맑은 고딕"/>
+                <a:ea typeface="맑은 고딕"/>
+              </a:rPr>
+              <a:t>#3</a:t>
+            </a:r>
+            <a:r>
+              <a:rPr xmlns:mc="http://schemas.openxmlformats.org/markup-compatibility/2006" xmlns:hp="http://schemas.haansoft.com/office/presentation/8.0" kumimoji="0" lang="ko-KR" altLang="en-US" sz="2000" b="0" i="0" u="none" strike="noStrike" kern="1200" cap="none" spc="0" normalizeH="0" baseline="0" mc:Ignorable="hp" hp:hslEmbossed="0">
+                <a:solidFill>
+                  <a:srgbClr val="000000"/>
+                </a:solidFill>
+                <a:latin typeface="맑은 고딕"/>
+                <a:ea typeface="맑은 고딕"/>
+              </a:rPr>
+              <a:t>과 결과가 같음</a:t>
+            </a:r>
+            <a:endParaRPr xmlns:mc="http://schemas.openxmlformats.org/markup-compatibility/2006" xmlns:hp="http://schemas.haansoft.com/office/presentation/8.0" kumimoji="0" lang="ko-KR" altLang="en-US" sz="2000" b="0" i="0" u="none" strike="noStrike" kern="1200" cap="none" spc="0" normalizeH="0" baseline="0" mc:Ignorable="hp" hp:hslEmbossed="0">
+              <a:solidFill>
+                <a:srgbClr val="000000"/>
+              </a:solidFill>
+              <a:latin typeface="맑은 고딕"/>
+              <a:ea typeface="맑은 고딕"/>
+            </a:endParaRPr>
+          </a:p>
+          <a:p>
+            <a:pPr marL="342900" indent="-342900" algn="l" defTabSz="914400" rtl="0" eaLnBrk="1" latinLnBrk="1" hangingPunct="1">
+              <a:lnSpc>
+                <a:spcPct val="100000"/>
+              </a:lnSpc>
+              <a:spcBef>
+                <a:spcPct val="20000"/>
+              </a:spcBef>
+              <a:spcAft>
+                <a:spcPts val="0"/>
+              </a:spcAft>
+              <a:buFont typeface="Arial"/>
+              <a:buChar char="•"/>
+              <a:defRPr/>
+            </a:pPr>
+            <a:endParaRPr xmlns:mc="http://schemas.openxmlformats.org/markup-compatibility/2006" xmlns:hp="http://schemas.haansoft.com/office/presentation/8.0" kumimoji="0" lang="ko-KR" altLang="en-US" sz="2000" b="0" i="0" u="none" strike="noStrike" kern="1200" cap="none" spc="0" normalizeH="0" baseline="0" mc:Ignorable="hp" hp:hslEmbossed="0">
+              <a:solidFill>
+                <a:srgbClr val="ff0000"/>
+              </a:solidFill>
+              <a:latin typeface="맑은 고딕"/>
+              <a:ea typeface="맑은 고딕"/>
+            </a:endParaRPr>
+          </a:p>
+          <a:p>
+            <a:pPr marL="342900" indent="-342900" algn="l" defTabSz="914400" rtl="0" eaLnBrk="1" latinLnBrk="1" hangingPunct="1">
+              <a:lnSpc>
+                <a:spcPct val="100000"/>
+              </a:lnSpc>
+              <a:spcBef>
+                <a:spcPct val="20000"/>
+              </a:spcBef>
+              <a:spcAft>
+                <a:spcPts val="0"/>
+              </a:spcAft>
+              <a:buFont typeface="Arial"/>
+              <a:buChar char="•"/>
+              <a:defRPr/>
+            </a:pPr>
+            <a:r>
+              <a:rPr xmlns:mc="http://schemas.openxmlformats.org/markup-compatibility/2006" xmlns:hp="http://schemas.haansoft.com/office/presentation/8.0" kumimoji="0" lang="ko-KR" altLang="en-US" sz="2000" b="0" i="0" u="none" strike="noStrike" kern="1200" cap="none" spc="0" normalizeH="0" baseline="0" mc:Ignorable="hp" hp:hslEmbossed="0">
+                <a:solidFill>
+                  <a:schemeClr val="tx1"/>
+                </a:solidFill>
+                <a:latin typeface="맑은 고딕"/>
+                <a:ea typeface="맑은 고딕"/>
+              </a:rPr>
+              <a:t>메소드를 여러버전으로 만들 때는 하나의 버전에서 다른 버전을 호출하도록 만들어주기 </a:t>
+            </a:r>
+            <a:r>
+              <a:rPr xmlns:mc="http://schemas.openxmlformats.org/markup-compatibility/2006" xmlns:hp="http://schemas.haansoft.com/office/presentation/8.0" kumimoji="0" lang="en-US" altLang="ko-KR" sz="2000" b="0" i="0" u="none" strike="noStrike" kern="1200" cap="none" spc="0" normalizeH="0" baseline="0" mc:Ignorable="hp" hp:hslEmbossed="0">
+                <a:solidFill>
+                  <a:schemeClr val="tx1"/>
+                </a:solidFill>
+                <a:latin typeface="맑은 고딕"/>
+                <a:ea typeface="맑은 고딕"/>
+              </a:rPr>
+              <a:t>-</a:t>
+            </a:r>
+            <a:r>
+              <a:rPr xmlns:mc="http://schemas.openxmlformats.org/markup-compatibility/2006" xmlns:hp="http://schemas.haansoft.com/office/presentation/8.0" kumimoji="0" lang="ko-KR" altLang="en-US" sz="2000" b="0" i="0" u="none" strike="noStrike" kern="1200" cap="none" spc="0" normalizeH="0" baseline="0" mc:Ignorable="hp" hp:hslEmbossed="0">
+                <a:solidFill>
+                  <a:schemeClr val="tx1"/>
+                </a:solidFill>
+                <a:latin typeface="맑은 고딕"/>
+                <a:ea typeface="맑은 고딕"/>
+              </a:rPr>
+              <a:t> 코드의 중복 피하기</a:t>
+            </a:r>
+            <a:r>
+              <a:rPr xmlns:mc="http://schemas.openxmlformats.org/markup-compatibility/2006" xmlns:hp="http://schemas.haansoft.com/office/presentation/8.0" kumimoji="0" lang="en-US" altLang="ko-KR" sz="2000" b="0" i="0" u="none" strike="noStrike" kern="1200" cap="none" spc="0" normalizeH="0" baseline="0" mc:Ignorable="hp" hp:hslEmbossed="0">
+                <a:solidFill>
+                  <a:schemeClr val="tx1"/>
+                </a:solidFill>
+                <a:latin typeface="맑은 고딕"/>
+                <a:ea typeface="맑은 고딕"/>
+              </a:rPr>
+              <a:t>, </a:t>
+            </a:r>
+            <a:r>
+              <a:rPr xmlns:mc="http://schemas.openxmlformats.org/markup-compatibility/2006" xmlns:hp="http://schemas.haansoft.com/office/presentation/8.0" kumimoji="0" lang="ko-KR" altLang="en-US" sz="2000" b="0" i="0" u="none" strike="noStrike" kern="1200" cap="none" spc="0" normalizeH="0" baseline="0" mc:Ignorable="hp" hp:hslEmbossed="0">
+                <a:solidFill>
+                  <a:schemeClr val="tx1"/>
+                </a:solidFill>
+                <a:latin typeface="맑은 고딕"/>
+                <a:ea typeface="맑은 고딕"/>
+              </a:rPr>
+              <a:t>코드를 고칠 때 모든 버전을 고쳐야하는 상황 피하기</a:t>
+            </a:r>
+            <a:endParaRPr xmlns:mc="http://schemas.openxmlformats.org/markup-compatibility/2006" xmlns:hp="http://schemas.haansoft.com/office/presentation/8.0" kumimoji="0" lang="ko-KR" altLang="en-US" sz="2000" b="0" i="0" u="none" strike="noStrike" kern="1200" cap="none" spc="0" normalizeH="0" baseline="0" mc:Ignorable="hp" hp:hslEmbossed="0">
+              <a:solidFill>
+                <a:schemeClr val="tx1"/>
               </a:solidFill>
               <a:latin typeface="맑은 고딕"/>
               <a:ea typeface="맑은 고딕"/>
@@ -5626,6 +6167,603 @@
       </p:grpSpPr>
       <p:pic>
         <p:nvPicPr>
+          <p:cNvPr id="11" name=""/>
+          <p:cNvPicPr>
+            <a:picLocks noChangeAspect="1"/>
+          </p:cNvPicPr>
+          <p:nvPr/>
+        </p:nvPicPr>
+        <p:blipFill rotWithShape="1">
+          <a:blip r:embed="rId2"/>
+          <a:stretch>
+            <a:fillRect/>
+          </a:stretch>
+        </p:blipFill>
+        <p:spPr>
+          <a:xfrm>
+            <a:off x="0" y="104775"/>
+            <a:ext cx="12192000" cy="6648450"/>
+          </a:xfrm>
+          <a:prstGeom prst="rect">
+            <a:avLst/>
+          </a:prstGeom>
+        </p:spPr>
+      </p:pic>
+      <p:sp>
+        <p:nvSpPr>
+          <p:cNvPr id="5" name=""/>
+          <p:cNvSpPr/>
+          <p:nvPr/>
+        </p:nvSpPr>
+        <p:spPr>
+          <a:xfrm>
+            <a:off x="9356797" y="1151270"/>
+            <a:ext cx="2792423" cy="198565"/>
+          </a:xfrm>
+          <a:prstGeom prst="rect">
+            <a:avLst/>
+          </a:prstGeom>
+          <a:noFill/>
+          <a:ln w="76200" cap="flat" cmpd="sng" algn="ctr">
+            <a:solidFill>
+              <a:srgbClr val="ff0000">
+                <a:alpha val="100000"/>
+              </a:srgbClr>
+            </a:solidFill>
+            <a:prstDash val="solid"/>
+          </a:ln>
+        </p:spPr>
+        <p:txBody>
+          <a:bodyPr anchor="ctr"/>
+          <a:p>
+            <a:pPr marL="0" indent="0" algn="ctr" defTabSz="914400" rtl="0" eaLnBrk="1" latinLnBrk="1" hangingPunct="1">
+              <a:lnSpc>
+                <a:spcPct val="100000"/>
+              </a:lnSpc>
+              <a:spcBef>
+                <a:spcPct val="0"/>
+              </a:spcBef>
+              <a:spcAft>
+                <a:spcPts val="0"/>
+              </a:spcAft>
+              <a:buNone/>
+              <a:defRPr/>
+            </a:pPr>
+            <a:endParaRPr xmlns:mc="http://schemas.openxmlformats.org/markup-compatibility/2006" xmlns:hp="http://schemas.haansoft.com/office/presentation/8.0" kumimoji="0" lang="ko-KR" altLang="en-US" sz="1800" b="0" i="0" u="none" strike="noStrike" kern="1200" cap="none" spc="0" normalizeH="0" baseline="0" mc:Ignorable="hp" hp:hslEmbossed="0">
+              <a:solidFill>
+                <a:srgbClr val="ffffff"/>
+              </a:solidFill>
+              <a:latin typeface="Calibri"/>
+              <a:ea typeface="맑은 고딕"/>
+              <a:cs typeface="맑은 고딕"/>
+            </a:endParaRPr>
+          </a:p>
+        </p:txBody>
+      </p:sp>
+      <p:sp>
+        <p:nvSpPr>
+          <p:cNvPr id="6" name=""/>
+          <p:cNvSpPr/>
+          <p:nvPr/>
+        </p:nvSpPr>
+        <p:spPr>
+          <a:xfrm>
+            <a:off x="9347272" y="1961907"/>
+            <a:ext cx="1292743" cy="322632"/>
+          </a:xfrm>
+          <a:prstGeom prst="rect">
+            <a:avLst/>
+          </a:prstGeom>
+          <a:noFill/>
+          <a:ln w="76200" cap="flat" cmpd="sng" algn="ctr">
+            <a:solidFill>
+              <a:srgbClr val="ff0000">
+                <a:alpha val="100000"/>
+              </a:srgbClr>
+            </a:solidFill>
+            <a:prstDash val="solid"/>
+          </a:ln>
+        </p:spPr>
+        <p:txBody>
+          <a:bodyPr anchor="ctr"/>
+          <a:p>
+            <a:pPr marL="0" indent="0" algn="ctr" defTabSz="914400" rtl="0" eaLnBrk="1" latinLnBrk="1" hangingPunct="1">
+              <a:lnSpc>
+                <a:spcPct val="100000"/>
+              </a:lnSpc>
+              <a:spcBef>
+                <a:spcPct val="0"/>
+              </a:spcBef>
+              <a:spcAft>
+                <a:spcPts val="0"/>
+              </a:spcAft>
+              <a:buNone/>
+              <a:defRPr/>
+            </a:pPr>
+            <a:endParaRPr xmlns:mc="http://schemas.openxmlformats.org/markup-compatibility/2006" xmlns:hp="http://schemas.haansoft.com/office/presentation/8.0" kumimoji="0" lang="ko-KR" altLang="en-US" sz="1800" b="0" i="0" u="none" strike="noStrike" kern="1200" cap="none" spc="0" normalizeH="0" baseline="0" mc:Ignorable="hp" hp:hslEmbossed="0">
+              <a:solidFill>
+                <a:srgbClr val="ffffff"/>
+              </a:solidFill>
+              <a:latin typeface="Calibri"/>
+              <a:ea typeface="맑은 고딕"/>
+              <a:cs typeface="맑은 고딕"/>
+            </a:endParaRPr>
+          </a:p>
+        </p:txBody>
+      </p:sp>
+      <p:sp>
+        <p:nvSpPr>
+          <p:cNvPr id="8" name=""/>
+          <p:cNvSpPr/>
+          <p:nvPr/>
+        </p:nvSpPr>
+        <p:spPr>
+          <a:xfrm>
+            <a:off x="9356797" y="2985339"/>
+            <a:ext cx="2792423" cy="241356"/>
+          </a:xfrm>
+          <a:prstGeom prst="rect">
+            <a:avLst/>
+          </a:prstGeom>
+          <a:noFill/>
+          <a:ln w="76200" cap="flat" cmpd="sng" algn="ctr">
+            <a:solidFill>
+              <a:srgbClr val="ff0000">
+                <a:alpha val="100000"/>
+              </a:srgbClr>
+            </a:solidFill>
+            <a:prstDash val="solid"/>
+          </a:ln>
+        </p:spPr>
+        <p:txBody>
+          <a:bodyPr anchor="ctr"/>
+          <a:p>
+            <a:pPr marL="0" indent="0" algn="ctr" defTabSz="914400" rtl="0" eaLnBrk="1" latinLnBrk="1" hangingPunct="1">
+              <a:lnSpc>
+                <a:spcPct val="100000"/>
+              </a:lnSpc>
+              <a:spcBef>
+                <a:spcPct val="0"/>
+              </a:spcBef>
+              <a:spcAft>
+                <a:spcPts val="0"/>
+              </a:spcAft>
+              <a:buNone/>
+              <a:defRPr/>
+            </a:pPr>
+            <a:endParaRPr xmlns:mc="http://schemas.openxmlformats.org/markup-compatibility/2006" xmlns:hp="http://schemas.haansoft.com/office/presentation/8.0" kumimoji="0" lang="ko-KR" altLang="en-US" sz="1800" b="0" i="0" u="none" strike="noStrike" kern="1200" cap="none" spc="0" normalizeH="0" baseline="0" mc:Ignorable="hp" hp:hslEmbossed="0">
+              <a:solidFill>
+                <a:srgbClr val="ffffff"/>
+              </a:solidFill>
+              <a:latin typeface="Calibri"/>
+              <a:ea typeface="맑은 고딕"/>
+              <a:cs typeface="맑은 고딕"/>
+            </a:endParaRPr>
+          </a:p>
+        </p:txBody>
+      </p:sp>
+      <p:sp>
+        <p:nvSpPr>
+          <p:cNvPr id="9" name=""/>
+          <p:cNvSpPr/>
+          <p:nvPr/>
+        </p:nvSpPr>
+        <p:spPr>
+          <a:xfrm>
+            <a:off x="9480620" y="3704173"/>
+            <a:ext cx="2641635" cy="452841"/>
+          </a:xfrm>
+          <a:prstGeom prst="rect">
+            <a:avLst/>
+          </a:prstGeom>
+          <a:noFill/>
+          <a:ln w="76200" cap="flat" cmpd="sng" algn="ctr">
+            <a:solidFill>
+              <a:srgbClr val="ff0000">
+                <a:alpha val="100000"/>
+              </a:srgbClr>
+            </a:solidFill>
+            <a:prstDash val="solid"/>
+          </a:ln>
+        </p:spPr>
+        <p:txBody>
+          <a:bodyPr anchor="ctr"/>
+          <a:p>
+            <a:pPr marL="0" indent="0" algn="ctr" defTabSz="914400" rtl="0" eaLnBrk="1" latinLnBrk="1" hangingPunct="1">
+              <a:lnSpc>
+                <a:spcPct val="100000"/>
+              </a:lnSpc>
+              <a:spcBef>
+                <a:spcPct val="0"/>
+              </a:spcBef>
+              <a:spcAft>
+                <a:spcPts val="0"/>
+              </a:spcAft>
+              <a:buNone/>
+              <a:defRPr/>
+            </a:pPr>
+            <a:endParaRPr xmlns:mc="http://schemas.openxmlformats.org/markup-compatibility/2006" xmlns:hp="http://schemas.haansoft.com/office/presentation/8.0" kumimoji="0" lang="ko-KR" altLang="en-US" sz="1800" b="0" i="0" u="none" strike="noStrike" kern="1200" cap="none" spc="0" normalizeH="0" baseline="0" mc:Ignorable="hp" hp:hslEmbossed="0">
+              <a:solidFill>
+                <a:srgbClr val="ffffff"/>
+              </a:solidFill>
+              <a:latin typeface="Calibri"/>
+              <a:ea typeface="맑은 고딕"/>
+              <a:cs typeface="맑은 고딕"/>
+            </a:endParaRPr>
+          </a:p>
+        </p:txBody>
+      </p:sp>
+      <p:sp>
+        <p:nvSpPr>
+          <p:cNvPr id="10" name=""/>
+          <p:cNvSpPr txBox="1"/>
+          <p:nvPr/>
+        </p:nvSpPr>
+        <p:spPr>
+          <a:xfrm>
+            <a:off x="5236508" y="4233214"/>
+            <a:ext cx="4158388" cy="2276849"/>
+          </a:xfrm>
+          <a:prstGeom prst="rect">
+            <a:avLst/>
+          </a:prstGeom>
+        </p:spPr>
+        <p:txBody>
+          <a:bodyPr wrap="square">
+            <a:spAutoFit/>
+          </a:bodyPr>
+          <a:p>
+            <a:pPr marL="0" indent="0" algn="l" defTabSz="914400" rtl="0" eaLnBrk="1" latinLnBrk="1" hangingPunct="1">
+              <a:lnSpc>
+                <a:spcPct val="100000"/>
+              </a:lnSpc>
+              <a:spcBef>
+                <a:spcPct val="0"/>
+              </a:spcBef>
+              <a:spcAft>
+                <a:spcPts val="0"/>
+              </a:spcAft>
+              <a:buNone/>
+              <a:defRPr/>
+            </a:pPr>
+            <a:r>
+              <a:rPr xmlns:mc="http://schemas.openxmlformats.org/markup-compatibility/2006" xmlns:hp="http://schemas.haansoft.com/office/presentation/8.0" kumimoji="0" lang="en-US" altLang="ko-KR" sz="1800" b="0" i="0" u="none" strike="noStrike" kern="1200" cap="none" spc="0" normalizeH="0" baseline="0" mc:Ignorable="hp" hp:hslEmbossed="0">
+                <a:solidFill>
+                  <a:srgbClr val="ffffff"/>
+                </a:solidFill>
+                <a:latin typeface="맑은 고딕"/>
+                <a:cs typeface="맑은 고딕"/>
+              </a:rPr>
+              <a:t>3.</a:t>
+            </a:r>
+            <a:r>
+              <a:rPr xmlns:mc="http://schemas.openxmlformats.org/markup-compatibility/2006" xmlns:hp="http://schemas.haansoft.com/office/presentation/8.0" kumimoji="0" lang="ko-KR" altLang="en-US" sz="1800" b="0" i="0" u="none" strike="noStrike" kern="1200" cap="none" spc="0" normalizeH="0" baseline="0" mc:Ignorable="hp" hp:hslEmbossed="0">
+                <a:solidFill>
+                  <a:srgbClr val="ffffff"/>
+                </a:solidFill>
+                <a:latin typeface="맑은 고딕"/>
+                <a:cs typeface="맑은 고딕"/>
+              </a:rPr>
+              <a:t> </a:t>
+            </a:r>
+            <a:r>
+              <a:rPr xmlns:mc="http://schemas.openxmlformats.org/markup-compatibility/2006" xmlns:hp="http://schemas.haansoft.com/office/presentation/8.0" kumimoji="0" lang="en-US" altLang="ko-KR" sz="1800" b="0" i="0" u="none" strike="noStrike" kern="1200" cap="none" spc="0" normalizeH="0" baseline="0" mc:Ignorable="hp" hp:hslEmbossed="0">
+                <a:solidFill>
+                  <a:srgbClr val="ffffff"/>
+                </a:solidFill>
+                <a:latin typeface="맑은 고딕"/>
+                <a:cs typeface="맑은 고딕"/>
+              </a:rPr>
+              <a:t>AudioClip</a:t>
+            </a:r>
+            <a:r>
+              <a:rPr xmlns:mc="http://schemas.openxmlformats.org/markup-compatibility/2006" xmlns:hp="http://schemas.haansoft.com/office/presentation/8.0" kumimoji="0" lang="ko-KR" altLang="en-US" sz="1800" b="0" i="0" u="none" strike="noStrike" kern="1200" cap="none" spc="0" normalizeH="0" baseline="0" mc:Ignorable="hp" hp:hslEmbossed="0">
+                <a:solidFill>
+                  <a:srgbClr val="ffffff"/>
+                </a:solidFill>
+                <a:latin typeface="맑은 고딕"/>
+                <a:cs typeface="맑은 고딕"/>
+              </a:rPr>
+              <a:t>에 음원 넣기</a:t>
+            </a:r>
+            <a:endParaRPr xmlns:mc="http://schemas.openxmlformats.org/markup-compatibility/2006" xmlns:hp="http://schemas.haansoft.com/office/presentation/8.0" kumimoji="0" lang="ko-KR" altLang="en-US" sz="1800" b="0" i="0" u="none" strike="noStrike" kern="1200" cap="none" spc="0" normalizeH="0" baseline="0" mc:Ignorable="hp" hp:hslEmbossed="0">
+              <a:solidFill>
+                <a:srgbClr val="ffffff"/>
+              </a:solidFill>
+              <a:latin typeface="맑은 고딕"/>
+              <a:cs typeface="맑은 고딕"/>
+            </a:endParaRPr>
+          </a:p>
+          <a:p>
+            <a:pPr marL="0" indent="0" algn="l" defTabSz="914400" rtl="0" eaLnBrk="1" latinLnBrk="1" hangingPunct="1">
+              <a:lnSpc>
+                <a:spcPct val="100000"/>
+              </a:lnSpc>
+              <a:spcBef>
+                <a:spcPct val="0"/>
+              </a:spcBef>
+              <a:spcAft>
+                <a:spcPts val="0"/>
+              </a:spcAft>
+              <a:buNone/>
+              <a:defRPr/>
+            </a:pPr>
+            <a:r>
+              <a:rPr xmlns:mc="http://schemas.openxmlformats.org/markup-compatibility/2006" xmlns:hp="http://schemas.haansoft.com/office/presentation/8.0" kumimoji="0" lang="en-US" altLang="ko-KR" sz="1800" b="0" i="0" u="none" strike="noStrike" kern="1200" cap="none" spc="0" normalizeH="0" baseline="0" mc:Ignorable="hp" hp:hslEmbossed="0">
+                <a:solidFill>
+                  <a:srgbClr val="ffffff"/>
+                </a:solidFill>
+                <a:latin typeface="맑은 고딕"/>
+                <a:cs typeface="맑은 고딕"/>
+              </a:rPr>
+              <a:t>Loop</a:t>
+            </a:r>
+            <a:r>
+              <a:rPr xmlns:mc="http://schemas.openxmlformats.org/markup-compatibility/2006" xmlns:hp="http://schemas.haansoft.com/office/presentation/8.0" kumimoji="0" lang="ko-KR" altLang="en-US" sz="1800" b="0" i="0" u="none" strike="noStrike" kern="1200" cap="none" spc="0" normalizeH="0" baseline="0" mc:Ignorable="hp" hp:hslEmbossed="0">
+                <a:solidFill>
+                  <a:srgbClr val="ffffff"/>
+                </a:solidFill>
+                <a:latin typeface="맑은 고딕"/>
+                <a:cs typeface="맑은 고딕"/>
+              </a:rPr>
+              <a:t> 설정</a:t>
+            </a:r>
+            <a:br>
+              <a:rPr xmlns:mc="http://schemas.openxmlformats.org/markup-compatibility/2006" xmlns:hp="http://schemas.haansoft.com/office/presentation/8.0" kumimoji="0" lang="ko-KR" altLang="en-US" sz="1800" b="0" i="0" u="none" strike="noStrike" kern="1200" cap="none" spc="0" normalizeH="0" baseline="0" mc:Ignorable="hp" hp:hslEmbossed="0">
+                <a:solidFill>
+                  <a:srgbClr val="ffffff"/>
+                </a:solidFill>
+                <a:latin typeface="맑은 고딕"/>
+                <a:cs typeface="맑은 고딕"/>
+              </a:rPr>
+            </a:br>
+            <a:r>
+              <a:rPr xmlns:mc="http://schemas.openxmlformats.org/markup-compatibility/2006" xmlns:hp="http://schemas.haansoft.com/office/presentation/8.0" kumimoji="0" lang="en-US" altLang="ko-KR" sz="1800" b="0" i="0" u="none" strike="noStrike" kern="1200" cap="none" spc="0" normalizeH="0" baseline="0" mc:Ignorable="hp" hp:hslEmbossed="0">
+                <a:solidFill>
+                  <a:srgbClr val="ffffff"/>
+                </a:solidFill>
+                <a:latin typeface="맑은 고딕"/>
+                <a:cs typeface="맑은 고딕"/>
+              </a:rPr>
+              <a:t>Spatial Blend 1</a:t>
+            </a:r>
+            <a:r>
+              <a:rPr xmlns:mc="http://schemas.openxmlformats.org/markup-compatibility/2006" xmlns:hp="http://schemas.haansoft.com/office/presentation/8.0" kumimoji="0" lang="ko-KR" altLang="en-US" sz="1800" b="0" i="0" u="none" strike="noStrike" kern="1200" cap="none" spc="0" normalizeH="0" baseline="0" mc:Ignorable="hp" hp:hslEmbossed="0">
+                <a:solidFill>
+                  <a:srgbClr val="ffffff"/>
+                </a:solidFill>
+                <a:latin typeface="맑은 고딕"/>
+                <a:cs typeface="맑은 고딕"/>
+              </a:rPr>
+              <a:t>로 변경</a:t>
+            </a:r>
+            <a:br>
+              <a:rPr xmlns:mc="http://schemas.openxmlformats.org/markup-compatibility/2006" xmlns:hp="http://schemas.haansoft.com/office/presentation/8.0" kumimoji="0" lang="ko-KR" altLang="en-US" sz="1800" b="0" i="0" u="none" strike="noStrike" kern="1200" cap="none" spc="0" normalizeH="0" baseline="0" mc:Ignorable="hp" hp:hslEmbossed="0">
+                <a:solidFill>
+                  <a:srgbClr val="ffffff"/>
+                </a:solidFill>
+                <a:latin typeface="맑은 고딕"/>
+                <a:cs typeface="맑은 고딕"/>
+              </a:rPr>
+            </a:br>
+            <a:r>
+              <a:rPr xmlns:mc="http://schemas.openxmlformats.org/markup-compatibility/2006" xmlns:hp="http://schemas.haansoft.com/office/presentation/8.0" kumimoji="0" lang="en-US" altLang="ko-KR" sz="1800" b="0" i="0" u="none" strike="noStrike" kern="1200" cap="none" spc="0" normalizeH="0" baseline="0" mc:Ignorable="hp" hp:hslEmbossed="0">
+                <a:solidFill>
+                  <a:srgbClr val="ffffff"/>
+                </a:solidFill>
+                <a:latin typeface="맑은 고딕"/>
+                <a:cs typeface="맑은 고딕"/>
+              </a:rPr>
+              <a:t>Volume Rolloff </a:t>
+            </a:r>
+            <a:r>
+              <a:rPr xmlns:mc="http://schemas.openxmlformats.org/markup-compatibility/2006" xmlns:hp="http://schemas.haansoft.com/office/presentation/8.0" kumimoji="0" lang="ko-KR" altLang="en-US" sz="1800" b="0" i="0" u="none" strike="noStrike" kern="1200" cap="none" spc="0" normalizeH="0" baseline="0" mc:Ignorable="hp" hp:hslEmbossed="0">
+                <a:solidFill>
+                  <a:srgbClr val="ffffff"/>
+                </a:solidFill>
+                <a:latin typeface="맑은 고딕"/>
+                <a:cs typeface="맑은 고딕"/>
+              </a:rPr>
+              <a:t>원하는 것으로 선택</a:t>
+            </a:r>
+            <a:endParaRPr xmlns:mc="http://schemas.openxmlformats.org/markup-compatibility/2006" xmlns:hp="http://schemas.haansoft.com/office/presentation/8.0" kumimoji="0" lang="ko-KR" altLang="en-US" sz="1800" b="0" i="0" u="none" strike="noStrike" kern="1200" cap="none" spc="0" normalizeH="0" baseline="0" mc:Ignorable="hp" hp:hslEmbossed="0">
+              <a:solidFill>
+                <a:srgbClr val="ffffff"/>
+              </a:solidFill>
+              <a:latin typeface="맑은 고딕"/>
+              <a:cs typeface="맑은 고딕"/>
+            </a:endParaRPr>
+          </a:p>
+          <a:p>
+            <a:pPr marL="0" indent="0" algn="l" defTabSz="914400" rtl="0" eaLnBrk="1" latinLnBrk="1" hangingPunct="1">
+              <a:lnSpc>
+                <a:spcPct val="100000"/>
+              </a:lnSpc>
+              <a:spcBef>
+                <a:spcPct val="0"/>
+              </a:spcBef>
+              <a:spcAft>
+                <a:spcPts val="0"/>
+              </a:spcAft>
+              <a:buNone/>
+              <a:defRPr/>
+            </a:pPr>
+            <a:r>
+              <a:rPr xmlns:mc="http://schemas.openxmlformats.org/markup-compatibility/2006" xmlns:hp="http://schemas.haansoft.com/office/presentation/8.0" kumimoji="0" lang="en-US" altLang="ko-KR" sz="1800" b="0" i="0" u="none" strike="noStrike" kern="1200" cap="none" spc="0" normalizeH="0" baseline="0" mc:Ignorable="hp" hp:hslEmbossed="0">
+                <a:solidFill>
+                  <a:srgbClr val="ffffff"/>
+                </a:solidFill>
+                <a:latin typeface="맑은 고딕"/>
+                <a:cs typeface="맑은 고딕"/>
+              </a:rPr>
+              <a:t>Max Distance 10</a:t>
+            </a:r>
+            <a:r>
+              <a:rPr xmlns:mc="http://schemas.openxmlformats.org/markup-compatibility/2006" xmlns:hp="http://schemas.haansoft.com/office/presentation/8.0" kumimoji="0" lang="ko-KR" altLang="en-US" sz="1800" b="0" i="0" u="none" strike="noStrike" kern="1200" cap="none" spc="0" normalizeH="0" baseline="0" mc:Ignorable="hp" hp:hslEmbossed="0">
+                <a:solidFill>
+                  <a:srgbClr val="ffffff"/>
+                </a:solidFill>
+                <a:latin typeface="맑은 고딕"/>
+                <a:cs typeface="맑은 고딕"/>
+              </a:rPr>
+              <a:t>으로 변경</a:t>
+            </a:r>
+            <a:endParaRPr xmlns:mc="http://schemas.openxmlformats.org/markup-compatibility/2006" xmlns:hp="http://schemas.haansoft.com/office/presentation/8.0" kumimoji="0" lang="ko-KR" altLang="en-US" sz="1800" b="0" i="0" u="none" strike="noStrike" kern="1200" cap="none" spc="0" normalizeH="0" baseline="0" mc:Ignorable="hp" hp:hslEmbossed="0">
+              <a:solidFill>
+                <a:srgbClr val="ffffff"/>
+              </a:solidFill>
+              <a:latin typeface="맑은 고딕"/>
+              <a:cs typeface="맑은 고딕"/>
+            </a:endParaRPr>
+          </a:p>
+          <a:p>
+            <a:pPr marL="0" indent="0" algn="l" defTabSz="914400" rtl="0" eaLnBrk="1" latinLnBrk="1" hangingPunct="1">
+              <a:lnSpc>
+                <a:spcPct val="100000"/>
+              </a:lnSpc>
+              <a:spcBef>
+                <a:spcPct val="0"/>
+              </a:spcBef>
+              <a:spcAft>
+                <a:spcPts val="0"/>
+              </a:spcAft>
+              <a:buNone/>
+              <a:defRPr/>
+            </a:pPr>
+            <a:endParaRPr xmlns:mc="http://schemas.openxmlformats.org/markup-compatibility/2006" xmlns:hp="http://schemas.haansoft.com/office/presentation/8.0" kumimoji="0" lang="ko-KR" altLang="en-US" sz="1800" b="0" i="0" u="none" strike="noStrike" kern="1200" cap="none" spc="0" normalizeH="0" baseline="0" mc:Ignorable="hp" hp:hslEmbossed="0">
+              <a:solidFill>
+                <a:srgbClr val="ffffff"/>
+              </a:solidFill>
+              <a:latin typeface="맑은 고딕"/>
+              <a:cs typeface="맑은 고딕"/>
+            </a:endParaRPr>
+          </a:p>
+          <a:p>
+            <a:pPr marL="0" indent="0" algn="l" defTabSz="914400" rtl="0" eaLnBrk="1" latinLnBrk="1" hangingPunct="1">
+              <a:lnSpc>
+                <a:spcPct val="100000"/>
+              </a:lnSpc>
+              <a:spcBef>
+                <a:spcPct val="0"/>
+              </a:spcBef>
+              <a:spcAft>
+                <a:spcPts val="0"/>
+              </a:spcAft>
+              <a:buNone/>
+              <a:defRPr/>
+            </a:pPr>
+            <a:r>
+              <a:rPr xmlns:mc="http://schemas.openxmlformats.org/markup-compatibility/2006" xmlns:hp="http://schemas.haansoft.com/office/presentation/8.0" kumimoji="0" lang="en-US" altLang="ko-KR" sz="1800" b="0" i="0" u="none" strike="noStrike" kern="1200" cap="none" spc="0" normalizeH="0" baseline="0" mc:Ignorable="hp" hp:hslEmbossed="0">
+                <a:solidFill>
+                  <a:srgbClr val="ffffff"/>
+                </a:solidFill>
+                <a:latin typeface="맑은 고딕"/>
+                <a:cs typeface="맑은 고딕"/>
+              </a:rPr>
+              <a:t>Min Distance : </a:t>
+            </a:r>
+            <a:r>
+              <a:rPr xmlns:mc="http://schemas.openxmlformats.org/markup-compatibility/2006" xmlns:hp="http://schemas.haansoft.com/office/presentation/8.0" kumimoji="0" lang="ko-KR" altLang="en-US" sz="1800" b="0" i="0" u="none" strike="noStrike" kern="1200" cap="none" spc="0" normalizeH="0" baseline="0" mc:Ignorable="hp" hp:hslEmbossed="0">
+                <a:solidFill>
+                  <a:srgbClr val="ffffff"/>
+                </a:solidFill>
+                <a:latin typeface="맑은 고딕"/>
+                <a:cs typeface="맑은 고딕"/>
+              </a:rPr>
+              <a:t>소리들리는 최소 거리</a:t>
+            </a:r>
+            <a:endParaRPr xmlns:mc="http://schemas.openxmlformats.org/markup-compatibility/2006" xmlns:hp="http://schemas.haansoft.com/office/presentation/8.0" kumimoji="0" lang="ko-KR" altLang="en-US" sz="1800" b="0" i="0" u="none" strike="noStrike" kern="1200" cap="none" spc="0" normalizeH="0" baseline="0" mc:Ignorable="hp" hp:hslEmbossed="0">
+              <a:solidFill>
+                <a:srgbClr val="ffffff"/>
+              </a:solidFill>
+              <a:latin typeface="맑은 고딕"/>
+              <a:cs typeface="맑은 고딕"/>
+            </a:endParaRPr>
+          </a:p>
+          <a:p>
+            <a:pPr marL="0" indent="0" algn="l" defTabSz="914400" rtl="0" eaLnBrk="1" latinLnBrk="1" hangingPunct="1">
+              <a:lnSpc>
+                <a:spcPct val="100000"/>
+              </a:lnSpc>
+              <a:spcBef>
+                <a:spcPct val="0"/>
+              </a:spcBef>
+              <a:spcAft>
+                <a:spcPts val="0"/>
+              </a:spcAft>
+              <a:buNone/>
+              <a:defRPr/>
+            </a:pPr>
+            <a:r>
+              <a:rPr xmlns:mc="http://schemas.openxmlformats.org/markup-compatibility/2006" xmlns:hp="http://schemas.haansoft.com/office/presentation/8.0" kumimoji="0" lang="en-US" altLang="ko-KR" sz="1800" b="0" i="0" u="none" strike="noStrike" kern="1200" cap="none" spc="0" normalizeH="0" baseline="0" mc:Ignorable="hp" hp:hslEmbossed="0">
+                <a:solidFill>
+                  <a:srgbClr val="ffffff"/>
+                </a:solidFill>
+                <a:latin typeface="맑은 고딕"/>
+                <a:cs typeface="맑은 고딕"/>
+              </a:rPr>
+              <a:t>Max Distance : </a:t>
+            </a:r>
+            <a:r>
+              <a:rPr xmlns:mc="http://schemas.openxmlformats.org/markup-compatibility/2006" xmlns:hp="http://schemas.haansoft.com/office/presentation/8.0" kumimoji="0" lang="ko-KR" altLang="en-US" sz="1800" b="0" i="0" u="none" strike="noStrike" kern="1200" cap="none" spc="0" normalizeH="0" baseline="0" mc:Ignorable="hp" hp:hslEmbossed="0">
+                <a:solidFill>
+                  <a:srgbClr val="ffffff"/>
+                </a:solidFill>
+                <a:latin typeface="맑은 고딕"/>
+                <a:cs typeface="맑은 고딕"/>
+              </a:rPr>
+              <a:t>소리들리는 최대 거리</a:t>
+            </a:r>
+            <a:endParaRPr xmlns:mc="http://schemas.openxmlformats.org/markup-compatibility/2006" xmlns:hp="http://schemas.haansoft.com/office/presentation/8.0" kumimoji="0" lang="ko-KR" altLang="en-US" sz="1800" b="0" i="0" u="none" strike="noStrike" kern="1200" cap="none" spc="0" normalizeH="0" baseline="0" mc:Ignorable="hp" hp:hslEmbossed="0">
+              <a:solidFill>
+                <a:srgbClr val="ffffff"/>
+              </a:solidFill>
+              <a:latin typeface="맑은 고딕"/>
+              <a:cs typeface="맑은 고딕"/>
+            </a:endParaRPr>
+          </a:p>
+        </p:txBody>
+      </p:sp>
+    </p:spTree>
+    <p:extLst>
+      <p:ext uri="{BB962C8B-B14F-4D97-AF65-F5344CB8AC3E}">
+        <p14:creationId xmlns:p14="http://schemas.microsoft.com/office/powerpoint/2010/main" val="2203345092"/>
+      </p:ext>
+    </p:extLst>
+  </p:cSld>
+  <p:clrMapOvr>
+    <a:masterClrMapping/>
+  </p:clrMapOvr>
+  <mc:AlternateContent xmlns:mc="http://schemas.openxmlformats.org/markup-compatibility/2006">
+    <mc:Choice xmlns:p14="http://schemas.microsoft.com/office/powerpoint/2010/main" Requires="p14">
+      <p:transition xmlns:mc="http://schemas.openxmlformats.org/markup-compatibility/2006" xmlns:p14="http://schemas.microsoft.com/office/powerpoint/2010/main" mc:Ignorable="p14" p14:dur="500"/>
+    </mc:Choice>
+    <mc:Fallback>
+      <p:transition/>
+    </mc:Fallback>
+  </mc:AlternateContent>
+</p:sld>
+</file>
+
+<file path=ppt/slides/slide17.xml><?xml version="1.0" encoding="utf-8"?>
+<p:sld xmlns:r="http://schemas.openxmlformats.org/officeDocument/2006/relationships" xmlns:c="http://schemas.openxmlformats.org/drawingml/2006/chart" xmlns:a="http://schemas.openxmlformats.org/drawingml/2006/main" xmlns:dgm="http://schemas.openxmlformats.org/drawingml/2006/diagram" xmlns:dsp="http://schemas.microsoft.com/office/drawing/2008/diagram" xmlns:p="http://schemas.openxmlformats.org/presentationml/2006/main">
+  <p:cSld>
+    <p:spTree>
+      <p:nvGrpSpPr>
+        <p:cNvPr id="1" name=""/>
+        <p:cNvGrpSpPr/>
+        <p:nvPr/>
+      </p:nvGrpSpPr>
+      <p:grpSpPr>
+        <a:xfrm>
+          <a:off x="0" y="0"/>
+          <a:ext cx="0" cy="0"/>
+          <a:chOff x="0" y="0"/>
+          <a:chExt cx="0" cy="0"/>
+        </a:xfrm>
+      </p:grpSpPr>
+      <p:pic>
+        <p:nvPicPr>
           <p:cNvPr id="4" name=""/>
           <p:cNvPicPr>
             <a:picLocks noChangeAspect="1"/>
@@ -5656,8 +6794,8 @@
         </p:nvSpPr>
         <p:spPr>
           <a:xfrm>
-            <a:off x="9356797" y="1151270"/>
-            <a:ext cx="2792423" cy="198565"/>
+            <a:off x="3296866" y="4568962"/>
+            <a:ext cx="479177" cy="614017"/>
           </a:xfrm>
           <a:prstGeom prst="rect">
             <a:avLst/>
@@ -5702,13 +6840,224 @@
       <p:sp>
         <p:nvSpPr>
           <p:cNvPr id="6" name=""/>
+          <p:cNvSpPr txBox="1"/>
+          <p:nvPr/>
+        </p:nvSpPr>
+        <p:spPr>
+          <a:xfrm>
+            <a:off x="4491228" y="4679209"/>
+            <a:ext cx="3365976" cy="367136"/>
+          </a:xfrm>
+          <a:prstGeom prst="rect">
+            <a:avLst/>
+          </a:prstGeom>
+        </p:spPr>
+        <p:txBody>
+          <a:bodyPr wrap="square">
+            <a:spAutoFit/>
+          </a:bodyPr>
+          <a:p>
+            <a:pPr marL="0" indent="0" algn="l" defTabSz="914400" rtl="0" eaLnBrk="1" latinLnBrk="1" hangingPunct="1">
+              <a:lnSpc>
+                <a:spcPct val="100000"/>
+              </a:lnSpc>
+              <a:spcBef>
+                <a:spcPct val="0"/>
+              </a:spcBef>
+              <a:spcAft>
+                <a:spcPts val="0"/>
+              </a:spcAft>
+              <a:buNone/>
+              <a:defRPr/>
+            </a:pPr>
+            <a:r>
+              <a:rPr xmlns:mc="http://schemas.openxmlformats.org/markup-compatibility/2006" xmlns:hp="http://schemas.haansoft.com/office/presentation/8.0" kumimoji="0" lang="en-US" altLang="ko-KR" sz="1800" b="0" i="0" u="none" strike="noStrike" kern="1200" cap="none" spc="0" normalizeH="0" baseline="0" mc:Ignorable="hp" hp:hslEmbossed="0">
+                <a:solidFill>
+                  <a:srgbClr val="ffffff"/>
+                </a:solidFill>
+                <a:latin typeface="맑은 고딕"/>
+                <a:cs typeface="맑은 고딕"/>
+              </a:rPr>
+              <a:t>1.</a:t>
+            </a:r>
+            <a:r>
+              <a:rPr xmlns:mc="http://schemas.openxmlformats.org/markup-compatibility/2006" xmlns:hp="http://schemas.haansoft.com/office/presentation/8.0" kumimoji="0" lang="ko-KR" altLang="en-US" sz="1800" b="0" i="0" u="none" strike="noStrike" kern="1200" cap="none" spc="0" normalizeH="0" baseline="0" mc:Ignorable="hp" hp:hslEmbossed="0">
+                <a:solidFill>
+                  <a:srgbClr val="ffffff"/>
+                </a:solidFill>
+                <a:latin typeface="맑은 고딕"/>
+              </a:rPr>
+              <a:t> </a:t>
+            </a:r>
+            <a:r>
+              <a:rPr xmlns:mc="http://schemas.openxmlformats.org/markup-compatibility/2006" xmlns:hp="http://schemas.haansoft.com/office/presentation/8.0" kumimoji="0" lang="en-US" altLang="ko-KR" sz="1800" b="0" i="0" u="none" strike="noStrike" kern="1200" cap="none" spc="0" normalizeH="0" baseline="0" mc:Ignorable="hp" hp:hslEmbossed="0">
+                <a:solidFill>
+                  <a:srgbClr val="ffffff"/>
+                </a:solidFill>
+                <a:latin typeface="맑은 고딕"/>
+              </a:rPr>
+              <a:t>SoundManager </a:t>
+            </a:r>
+            <a:r>
+              <a:rPr xmlns:mc="http://schemas.openxmlformats.org/markup-compatibility/2006" xmlns:hp="http://schemas.haansoft.com/office/presentation/8.0" kumimoji="0" lang="en-US" altLang="ko-KR" sz="1800" b="0" i="0" u="none" strike="noStrike" kern="1200" cap="none" spc="0" normalizeH="0" baseline="0" mc:Ignorable="hp" hp:hslEmbossed="0">
+                <a:solidFill>
+                  <a:srgbClr val="ffffff"/>
+                </a:solidFill>
+                <a:latin typeface="맑은 고딕"/>
+                <a:cs typeface="맑은 고딕"/>
+              </a:rPr>
+              <a:t>Script</a:t>
+            </a:r>
+            <a:r>
+              <a:rPr xmlns:mc="http://schemas.openxmlformats.org/markup-compatibility/2006" xmlns:hp="http://schemas.haansoft.com/office/presentation/8.0" kumimoji="0" lang="ko-KR" altLang="en-US" sz="1800" b="0" i="0" u="none" strike="noStrike" kern="1200" cap="none" spc="0" normalizeH="0" baseline="0" mc:Ignorable="hp" hp:hslEmbossed="0">
+                <a:solidFill>
+                  <a:srgbClr val="ffffff"/>
+                </a:solidFill>
+                <a:latin typeface="맑은 고딕"/>
+              </a:rPr>
+              <a:t> 수정</a:t>
+            </a:r>
+            <a:endParaRPr xmlns:mc="http://schemas.openxmlformats.org/markup-compatibility/2006" xmlns:hp="http://schemas.haansoft.com/office/presentation/8.0" kumimoji="0" lang="ko-KR" altLang="en-US" sz="1800" b="0" i="0" u="none" strike="noStrike" kern="1200" cap="none" spc="0" normalizeH="0" baseline="0" mc:Ignorable="hp" hp:hslEmbossed="0">
+              <a:solidFill>
+                <a:srgbClr val="ffffff"/>
+              </a:solidFill>
+              <a:latin typeface="맑은 고딕"/>
+            </a:endParaRPr>
+          </a:p>
+        </p:txBody>
+      </p:sp>
+      <p:sp>
+        <p:nvSpPr>
+          <p:cNvPr id="7" name=""/>
+          <p:cNvSpPr txBox="1"/>
+          <p:nvPr/>
+        </p:nvSpPr>
+        <p:spPr>
+          <a:xfrm>
+            <a:off x="9151917" y="114297"/>
+            <a:ext cx="2353274" cy="361006"/>
+          </a:xfrm>
+          <a:prstGeom prst="rect">
+            <a:avLst/>
+          </a:prstGeom>
+        </p:spPr>
+        <p:txBody>
+          <a:bodyPr wrap="square">
+            <a:spAutoFit/>
+          </a:bodyPr>
+          <a:p>
+            <a:pPr marL="0" indent="0" algn="l" defTabSz="914400" rtl="0" eaLnBrk="1" latinLnBrk="1" hangingPunct="1">
+              <a:lnSpc>
+                <a:spcPct val="100000"/>
+              </a:lnSpc>
+              <a:spcBef>
+                <a:spcPct val="0"/>
+              </a:spcBef>
+              <a:spcAft>
+                <a:spcPts val="0"/>
+              </a:spcAft>
+              <a:buNone/>
+              <a:defRPr/>
+            </a:pPr>
+            <a:r>
+              <a:rPr xmlns:mc="http://schemas.openxmlformats.org/markup-compatibility/2006" xmlns:hp="http://schemas.haansoft.com/office/presentation/8.0" kumimoji="0" lang="en-US" altLang="ko-KR" sz="1800" b="0" i="0" u="none" strike="noStrike" kern="1200" cap="none" spc="0" normalizeH="0" baseline="0" mc:Ignorable="hp" hp:hslEmbossed="0">
+                <a:solidFill>
+                  <a:srgbClr val="ff0000"/>
+                </a:solidFill>
+                <a:latin typeface="맑은 고딕"/>
+              </a:rPr>
+              <a:t>SoundManager</a:t>
+            </a:r>
+            <a:r>
+              <a:rPr xmlns:mc="http://schemas.openxmlformats.org/markup-compatibility/2006" xmlns:hp="http://schemas.haansoft.com/office/presentation/8.0" kumimoji="0" lang="ko-KR" altLang="en-US" sz="1800" b="0" i="0" u="none" strike="noStrike" kern="1200" cap="none" spc="0" normalizeH="0" baseline="0" mc:Ignorable="hp" hp:hslEmbossed="0">
+                <a:solidFill>
+                  <a:srgbClr val="ff0000"/>
+                </a:solidFill>
+                <a:latin typeface="맑은 고딕"/>
+              </a:rPr>
+              <a:t> 개편</a:t>
+            </a:r>
+            <a:endParaRPr xmlns:mc="http://schemas.openxmlformats.org/markup-compatibility/2006" xmlns:hp="http://schemas.haansoft.com/office/presentation/8.0" kumimoji="0" lang="ko-KR" altLang="en-US" sz="1800" b="0" i="0" u="none" strike="noStrike" kern="1200" cap="none" spc="0" normalizeH="0" baseline="0" mc:Ignorable="hp" hp:hslEmbossed="0">
+              <a:solidFill>
+                <a:srgbClr val="ff0000"/>
+              </a:solidFill>
+              <a:latin typeface="맑은 고딕"/>
+            </a:endParaRPr>
+          </a:p>
+        </p:txBody>
+      </p:sp>
+    </p:spTree>
+    <p:extLst>
+      <p:ext uri="{BB962C8B-B14F-4D97-AF65-F5344CB8AC3E}">
+        <p14:creationId xmlns:p14="http://schemas.microsoft.com/office/powerpoint/2010/main" val="3078419922"/>
+      </p:ext>
+    </p:extLst>
+  </p:cSld>
+  <p:clrMapOvr>
+    <a:masterClrMapping/>
+  </p:clrMapOvr>
+  <mc:AlternateContent xmlns:mc="http://schemas.openxmlformats.org/markup-compatibility/2006">
+    <mc:Choice xmlns:p14="http://schemas.microsoft.com/office/powerpoint/2010/main" Requires="p14">
+      <p:transition xmlns:mc="http://schemas.openxmlformats.org/markup-compatibility/2006" xmlns:p14="http://schemas.microsoft.com/office/powerpoint/2010/main" mc:Ignorable="p14" p14:dur="500"/>
+    </mc:Choice>
+    <mc:Fallback>
+      <p:transition/>
+    </mc:Fallback>
+  </mc:AlternateContent>
+</p:sld>
+</file>
+
+<file path=ppt/slides/slide18.xml><?xml version="1.0" encoding="utf-8"?>
+<p:sld xmlns:r="http://schemas.openxmlformats.org/officeDocument/2006/relationships" xmlns:c="http://schemas.openxmlformats.org/drawingml/2006/chart" xmlns:a="http://schemas.openxmlformats.org/drawingml/2006/main" xmlns:dgm="http://schemas.openxmlformats.org/drawingml/2006/diagram" xmlns:dsp="http://schemas.microsoft.com/office/drawing/2008/diagram" xmlns:p="http://schemas.openxmlformats.org/presentationml/2006/main">
+  <p:cSld>
+    <p:spTree>
+      <p:nvGrpSpPr>
+        <p:cNvPr id="1" name=""/>
+        <p:cNvGrpSpPr/>
+        <p:nvPr/>
+      </p:nvGrpSpPr>
+      <p:grpSpPr>
+        <a:xfrm>
+          <a:off x="0" y="0"/>
+          <a:ext cx="0" cy="0"/>
+          <a:chOff x="0" y="0"/>
+          <a:chExt cx="0" cy="0"/>
+        </a:xfrm>
+      </p:grpSpPr>
+      <p:pic>
+        <p:nvPicPr>
+          <p:cNvPr id="4" name=""/>
+          <p:cNvPicPr>
+            <a:picLocks noChangeAspect="1"/>
+          </p:cNvPicPr>
+          <p:nvPr/>
+        </p:nvPicPr>
+        <p:blipFill rotWithShape="1">
+          <a:blip r:embed="rId2"/>
+          <a:stretch>
+            <a:fillRect/>
+          </a:stretch>
+        </p:blipFill>
+        <p:spPr>
+          <a:xfrm>
+            <a:off x="0" y="104775"/>
+            <a:ext cx="12192000" cy="6648450"/>
+          </a:xfrm>
+          <a:prstGeom prst="rect">
+            <a:avLst/>
+          </a:prstGeom>
+        </p:spPr>
+      </p:pic>
+      <p:sp>
+        <p:nvSpPr>
+          <p:cNvPr id="5" name=""/>
           <p:cNvSpPr/>
           <p:nvPr/>
         </p:nvSpPr>
         <p:spPr>
           <a:xfrm>
-            <a:off x="9347272" y="1961907"/>
-            <a:ext cx="1292743" cy="322632"/>
+            <a:off x="3783249" y="4568962"/>
+            <a:ext cx="479177" cy="614017"/>
           </a:xfrm>
           <a:prstGeom prst="rect">
             <a:avLst/>
@@ -5752,14 +7101,93 @@
       </p:sp>
       <p:sp>
         <p:nvSpPr>
-          <p:cNvPr id="8" name=""/>
+          <p:cNvPr id="6" name=""/>
+          <p:cNvSpPr txBox="1"/>
+          <p:nvPr/>
+        </p:nvSpPr>
+        <p:spPr>
+          <a:xfrm>
+            <a:off x="4501361" y="4679209"/>
+            <a:ext cx="2727917" cy="367136"/>
+          </a:xfrm>
+          <a:prstGeom prst="rect">
+            <a:avLst/>
+          </a:prstGeom>
+        </p:spPr>
+        <p:txBody>
+          <a:bodyPr wrap="square">
+            <a:spAutoFit/>
+          </a:bodyPr>
+          <a:p>
+            <a:pPr marL="0" indent="0" algn="l" defTabSz="914400" rtl="0" eaLnBrk="1" latinLnBrk="1" hangingPunct="1">
+              <a:lnSpc>
+                <a:spcPct val="100000"/>
+              </a:lnSpc>
+              <a:spcBef>
+                <a:spcPct val="0"/>
+              </a:spcBef>
+              <a:spcAft>
+                <a:spcPts val="0"/>
+              </a:spcAft>
+              <a:buNone/>
+              <a:defRPr/>
+            </a:pPr>
+            <a:r>
+              <a:rPr xmlns:mc="http://schemas.openxmlformats.org/markup-compatibility/2006" xmlns:hp="http://schemas.haansoft.com/office/presentation/8.0" kumimoji="0" lang="en-US" altLang="ko-KR" sz="1800" b="0" i="0" u="none" strike="noStrike" kern="1200" cap="none" spc="0" normalizeH="0" baseline="0" mc:Ignorable="hp" hp:hslEmbossed="0">
+                <a:solidFill>
+                  <a:srgbClr val="ffffff"/>
+                </a:solidFill>
+                <a:latin typeface="맑은 고딕"/>
+                <a:cs typeface="맑은 고딕"/>
+              </a:rPr>
+              <a:t>2.</a:t>
+            </a:r>
+            <a:r>
+              <a:rPr xmlns:mc="http://schemas.openxmlformats.org/markup-compatibility/2006" xmlns:hp="http://schemas.haansoft.com/office/presentation/8.0" kumimoji="0" lang="ko-KR" altLang="en-US" sz="1800" b="0" i="0" u="none" strike="noStrike" kern="1200" cap="none" spc="0" normalizeH="0" baseline="0" mc:Ignorable="hp" hp:hslEmbossed="0">
+                <a:solidFill>
+                  <a:srgbClr val="ffffff"/>
+                </a:solidFill>
+                <a:latin typeface="맑은 고딕"/>
+              </a:rPr>
+              <a:t> </a:t>
+            </a:r>
+            <a:r>
+              <a:rPr xmlns:mc="http://schemas.openxmlformats.org/markup-compatibility/2006" xmlns:hp="http://schemas.haansoft.com/office/presentation/8.0" kumimoji="0" lang="en-US" altLang="ko-KR" sz="1800" b="0" i="0" u="none" strike="noStrike" kern="1200" cap="none" spc="0" normalizeH="0" baseline="0" mc:Ignorable="hp" hp:hslEmbossed="0">
+                <a:solidFill>
+                  <a:srgbClr val="ffffff"/>
+                </a:solidFill>
+                <a:latin typeface="맑은 고딕"/>
+              </a:rPr>
+              <a:t>TestSound Script </a:t>
+            </a:r>
+            <a:r>
+              <a:rPr xmlns:mc="http://schemas.openxmlformats.org/markup-compatibility/2006" xmlns:hp="http://schemas.haansoft.com/office/presentation/8.0" kumimoji="0" lang="ko-KR" altLang="en-US" sz="1800" b="0" i="0" u="none" strike="noStrike" kern="1200" cap="none" spc="0" normalizeH="0" baseline="0" mc:Ignorable="hp" hp:hslEmbossed="0">
+                <a:solidFill>
+                  <a:srgbClr val="ffffff"/>
+                </a:solidFill>
+                <a:latin typeface="맑은 고딕"/>
+              </a:rPr>
+              <a:t>수정</a:t>
+            </a:r>
+            <a:endParaRPr xmlns:mc="http://schemas.openxmlformats.org/markup-compatibility/2006" xmlns:hp="http://schemas.haansoft.com/office/presentation/8.0" kumimoji="0" lang="ko-KR" altLang="en-US" sz="1800" b="0" i="0" u="none" strike="noStrike" kern="1200" cap="none" spc="0" normalizeH="0" baseline="0" mc:Ignorable="hp" hp:hslEmbossed="0">
+              <a:solidFill>
+                <a:srgbClr val="ffffff"/>
+              </a:solidFill>
+              <a:latin typeface="맑은 고딕"/>
+            </a:endParaRPr>
+          </a:p>
+        </p:txBody>
+      </p:sp>
+      <p:sp>
+        <p:nvSpPr>
+          <p:cNvPr id="7" name=""/>
           <p:cNvSpPr/>
           <p:nvPr/>
         </p:nvSpPr>
         <p:spPr>
           <a:xfrm>
-            <a:off x="9356797" y="2985339"/>
-            <a:ext cx="2792423" cy="241356"/>
+            <a:off x="9366926" y="1620669"/>
+            <a:ext cx="1261886" cy="330133"/>
           </a:xfrm>
           <a:prstGeom prst="rect">
             <a:avLst/>
@@ -5803,14 +7231,14 @@
       </p:sp>
       <p:sp>
         <p:nvSpPr>
-          <p:cNvPr id="9" name=""/>
+          <p:cNvPr id="8" name=""/>
           <p:cNvSpPr/>
           <p:nvPr/>
         </p:nvSpPr>
         <p:spPr>
           <a:xfrm>
-            <a:off x="9480620" y="3704173"/>
-            <a:ext cx="2641635" cy="452841"/>
+            <a:off x="9376451" y="6312645"/>
+            <a:ext cx="2747650" cy="346639"/>
           </a:xfrm>
           <a:prstGeom prst="rect">
             <a:avLst/>
@@ -5854,14 +7282,14 @@
       </p:sp>
       <p:sp>
         <p:nvSpPr>
-          <p:cNvPr id="10" name=""/>
+          <p:cNvPr id="9" name=""/>
           <p:cNvSpPr txBox="1"/>
           <p:nvPr/>
         </p:nvSpPr>
         <p:spPr>
           <a:xfrm>
-            <a:off x="5236508" y="4233214"/>
-            <a:ext cx="4158388" cy="2276849"/>
+            <a:off x="6998931" y="1814311"/>
+            <a:ext cx="2333000" cy="638863"/>
           </a:xfrm>
           <a:prstGeom prst="rect">
             <a:avLst/>
@@ -5913,7 +7341,7 @@
                 <a:latin typeface="맑은 고딕"/>
                 <a:cs typeface="맑은 고딕"/>
               </a:rPr>
-              <a:t>AudioClip</a:t>
+              <a:t>Play On Awake</a:t>
             </a:r>
             <a:r>
               <a:rPr xmlns:mc="http://schemas.openxmlformats.org/markup-compatibility/2006" xmlns:hp="http://schemas.haansoft.com/office/presentation/8.0" kumimoji="0" lang="ko-KR" altLang="en-US" sz="1800" b="0" i="0" u="none" strike="noStrike" kern="1200" cap="none" spc="0" normalizeH="0" baseline="0" mc:Ignorable="hp" hp:hslEmbossed="0">
@@ -5923,7 +7351,27 @@
                 <a:latin typeface="맑은 고딕"/>
                 <a:cs typeface="맑은 고딕"/>
               </a:rPr>
-              <a:t>에 음원 넣기</a:t>
+              <a:t>와 </a:t>
+            </a:r>
+            <a:r>
+              <a:rPr xmlns:mc="http://schemas.openxmlformats.org/markup-compatibility/2006" xmlns:hp="http://schemas.haansoft.com/office/presentation/8.0" kumimoji="0" lang="en-US" altLang="ko-KR" sz="1800" b="0" i="0" u="none" strike="noStrike" kern="1200" cap="none" spc="0" normalizeH="0" baseline="0" mc:Ignorable="hp" hp:hslEmbossed="0">
+                <a:solidFill>
+                  <a:srgbClr val="ffffff"/>
+                </a:solidFill>
+                <a:latin typeface="맑은 고딕"/>
+                <a:cs typeface="맑은 고딕"/>
+              </a:rPr>
+              <a:t>Loop</a:t>
+            </a:r>
+            <a:r>
+              <a:rPr xmlns:mc="http://schemas.openxmlformats.org/markup-compatibility/2006" xmlns:hp="http://schemas.haansoft.com/office/presentation/8.0" kumimoji="0" lang="ko-KR" altLang="en-US" sz="1800" b="0" i="0" u="none" strike="noStrike" kern="1200" cap="none" spc="0" normalizeH="0" baseline="0" mc:Ignorable="hp" hp:hslEmbossed="0">
+                <a:solidFill>
+                  <a:srgbClr val="ffffff"/>
+                </a:solidFill>
+                <a:latin typeface="맑은 고딕"/>
+                <a:cs typeface="맑은 고딕"/>
+              </a:rPr>
+              <a:t> 체크 해제</a:t>
             </a:r>
             <a:endParaRPr xmlns:mc="http://schemas.openxmlformats.org/markup-compatibility/2006" xmlns:hp="http://schemas.haansoft.com/office/presentation/8.0" kumimoji="0" lang="ko-KR" altLang="en-US" sz="1800" b="0" i="0" u="none" strike="noStrike" kern="1200" cap="none" spc="0" normalizeH="0" baseline="0" mc:Ignorable="hp" hp:hslEmbossed="0">
               <a:solidFill>
@@ -5933,6 +7381,27 @@
               <a:cs typeface="맑은 고딕"/>
             </a:endParaRPr>
           </a:p>
+        </p:txBody>
+      </p:sp>
+      <p:sp>
+        <p:nvSpPr>
+          <p:cNvPr id="11" name=""/>
+          <p:cNvSpPr txBox="1"/>
+          <p:nvPr/>
+        </p:nvSpPr>
+        <p:spPr>
+          <a:xfrm>
+            <a:off x="6191250" y="6020158"/>
+            <a:ext cx="3181710" cy="639127"/>
+          </a:xfrm>
+          <a:prstGeom prst="rect">
+            <a:avLst/>
+          </a:prstGeom>
+        </p:spPr>
+        <p:txBody>
+          <a:bodyPr wrap="square">
+            <a:spAutoFit/>
+          </a:bodyPr>
           <a:p>
             <a:pPr marL="0" indent="0" algn="l" defTabSz="914400" rtl="0" eaLnBrk="1" latinLnBrk="1" hangingPunct="1">
               <a:lnSpc>
@@ -5955,7 +7424,7 @@
                 <a:latin typeface="맑은 고딕"/>
                 <a:cs typeface="맑은 고딕"/>
               </a:rPr>
-              <a:t>Loop</a:t>
+              <a:t>4.</a:t>
             </a:r>
             <a:r>
               <a:rPr xmlns:mc="http://schemas.openxmlformats.org/markup-compatibility/2006" xmlns:hp="http://schemas.haansoft.com/office/presentation/8.0" kumimoji="0" lang="ko-KR" altLang="en-US" sz="1800" b="0" i="0" u="none" strike="noStrike" kern="1200" cap="none" spc="0" normalizeH="0" baseline="0" mc:Ignorable="hp" hp:hslEmbossed="0">
@@ -5965,9 +7434,19 @@
                 <a:latin typeface="맑은 고딕"/>
                 <a:cs typeface="맑은 고딕"/>
               </a:rPr>
-              <a:t> 설정</a:t>
-            </a:r>
-            <a:br>
+              <a:t> </a:t>
+            </a:r>
+            <a:r>
+              <a:rPr xmlns:mc="http://schemas.openxmlformats.org/markup-compatibility/2006" xmlns:hp="http://schemas.haansoft.com/office/presentation/8.0" kumimoji="0" lang="en-US" altLang="ko-KR" sz="1800" b="0" i="0" u="none" strike="noStrike" kern="1200" cap="none" spc="0" normalizeH="0" baseline="0" mc:Ignorable="hp" hp:hslEmbossed="0">
+                <a:solidFill>
+                  <a:srgbClr val="ffffff"/>
+                </a:solidFill>
+                <a:latin typeface="맑은 고딕"/>
+                <a:cs typeface="맑은 고딕"/>
+              </a:rPr>
+              <a:t>AudioClip</a:t>
+            </a:r>
+            <a:r>
               <a:rPr xmlns:mc="http://schemas.openxmlformats.org/markup-compatibility/2006" xmlns:hp="http://schemas.haansoft.com/office/presentation/8.0" kumimoji="0" lang="ko-KR" altLang="en-US" sz="1800" b="0" i="0" u="none" strike="noStrike" kern="1200" cap="none" spc="0" normalizeH="0" baseline="0" mc:Ignorable="hp" hp:hslEmbossed="0">
                 <a:solidFill>
                   <a:srgbClr val="ffffff"/>
@@ -5975,7 +7454,8 @@
                 <a:latin typeface="맑은 고딕"/>
                 <a:cs typeface="맑은 고딕"/>
               </a:rPr>
-            </a:br>
+              <a:t>과 </a:t>
+            </a:r>
             <a:r>
               <a:rPr xmlns:mc="http://schemas.openxmlformats.org/markup-compatibility/2006" xmlns:hp="http://schemas.haansoft.com/office/presentation/8.0" kumimoji="0" lang="en-US" altLang="ko-KR" sz="1800" b="0" i="0" u="none" strike="noStrike" kern="1200" cap="none" spc="0" normalizeH="0" baseline="0" mc:Ignorable="hp" hp:hslEmbossed="0">
                 <a:solidFill>
@@ -5984,7 +7464,7 @@
                 <a:latin typeface="맑은 고딕"/>
                 <a:cs typeface="맑은 고딕"/>
               </a:rPr>
-              <a:t>Spatial Blend 1</a:t>
+              <a:t>AudioClip2</a:t>
             </a:r>
             <a:r>
               <a:rPr xmlns:mc="http://schemas.openxmlformats.org/markup-compatibility/2006" xmlns:hp="http://schemas.haansoft.com/office/presentation/8.0" kumimoji="0" lang="ko-KR" altLang="en-US" sz="1800" b="0" i="0" u="none" strike="noStrike" kern="1200" cap="none" spc="0" normalizeH="0" baseline="0" mc:Ignorable="hp" hp:hslEmbossed="0">
@@ -5994,9 +7474,19 @@
                 <a:latin typeface="맑은 고딕"/>
                 <a:cs typeface="맑은 고딕"/>
               </a:rPr>
-              <a:t>로 변경</a:t>
-            </a:r>
-            <a:br>
+              <a:t>에 아무 </a:t>
+            </a:r>
+            <a:r>
+              <a:rPr xmlns:mc="http://schemas.openxmlformats.org/markup-compatibility/2006" xmlns:hp="http://schemas.haansoft.com/office/presentation/8.0" kumimoji="0" lang="en-US" altLang="ko-KR" sz="1800" b="0" i="0" u="none" strike="noStrike" kern="1200" cap="none" spc="0" normalizeH="0" baseline="0" mc:Ignorable="hp" hp:hslEmbossed="0">
+                <a:solidFill>
+                  <a:srgbClr val="ffffff"/>
+                </a:solidFill>
+                <a:latin typeface="맑은 고딕"/>
+                <a:cs typeface="맑은 고딕"/>
+              </a:rPr>
+              <a:t>Sound</a:t>
+            </a:r>
+            <a:r>
               <a:rPr xmlns:mc="http://schemas.openxmlformats.org/markup-compatibility/2006" xmlns:hp="http://schemas.haansoft.com/office/presentation/8.0" kumimoji="0" lang="ko-KR" altLang="en-US" sz="1800" b="0" i="0" u="none" strike="noStrike" kern="1200" cap="none" spc="0" normalizeH="0" baseline="0" mc:Ignorable="hp" hp:hslEmbossed="0">
                 <a:solidFill>
                   <a:srgbClr val="ffffff"/>
@@ -6004,26 +7494,7 @@
                 <a:latin typeface="맑은 고딕"/>
                 <a:cs typeface="맑은 고딕"/>
               </a:rPr>
-            </a:br>
-            <a:r>
-              <a:rPr xmlns:mc="http://schemas.openxmlformats.org/markup-compatibility/2006" xmlns:hp="http://schemas.haansoft.com/office/presentation/8.0" kumimoji="0" lang="en-US" altLang="ko-KR" sz="1800" b="0" i="0" u="none" strike="noStrike" kern="1200" cap="none" spc="0" normalizeH="0" baseline="0" mc:Ignorable="hp" hp:hslEmbossed="0">
-                <a:solidFill>
-                  <a:srgbClr val="ffffff"/>
-                </a:solidFill>
-                <a:latin typeface="맑은 고딕"/>
-                <a:cs typeface="맑은 고딕"/>
-              </a:rPr>
-              <a:t>Volume Rolloff </a:t>
-            </a:r>
-            <a:r>
-              <a:rPr xmlns:mc="http://schemas.openxmlformats.org/markup-compatibility/2006" xmlns:hp="http://schemas.haansoft.com/office/presentation/8.0" kumimoji="0" lang="ko-KR" altLang="en-US" sz="1800" b="0" i="0" u="none" strike="noStrike" kern="1200" cap="none" spc="0" normalizeH="0" baseline="0" mc:Ignorable="hp" hp:hslEmbossed="0">
-                <a:solidFill>
-                  <a:srgbClr val="ffffff"/>
-                </a:solidFill>
-                <a:latin typeface="맑은 고딕"/>
-                <a:cs typeface="맑은 고딕"/>
-              </a:rPr>
-              <a:t>원하는 것으로 선택</a:t>
+              <a:t> 넣어주기</a:t>
             </a:r>
             <a:endParaRPr xmlns:mc="http://schemas.openxmlformats.org/markup-compatibility/2006" xmlns:hp="http://schemas.haansoft.com/office/presentation/8.0" kumimoji="0" lang="ko-KR" altLang="en-US" sz="1800" b="0" i="0" u="none" strike="noStrike" kern="1200" cap="none" spc="0" normalizeH="0" baseline="0" mc:Ignorable="hp" hp:hslEmbossed="0">
               <a:solidFill>
@@ -6033,152 +7504,283 @@
               <a:cs typeface="맑은 고딕"/>
             </a:endParaRPr>
           </a:p>
-          <a:p>
-            <a:pPr marL="0" indent="0" algn="l" defTabSz="914400" rtl="0" eaLnBrk="1" latinLnBrk="1" hangingPunct="1">
+        </p:txBody>
+      </p:sp>
+    </p:spTree>
+    <p:extLst>
+      <p:ext uri="{BB962C8B-B14F-4D97-AF65-F5344CB8AC3E}">
+        <p14:creationId xmlns:p14="http://schemas.microsoft.com/office/powerpoint/2010/main" val="1602180416"/>
+      </p:ext>
+    </p:extLst>
+  </p:cSld>
+  <p:clrMapOvr>
+    <a:masterClrMapping/>
+  </p:clrMapOvr>
+  <mc:AlternateContent xmlns:mc="http://schemas.openxmlformats.org/markup-compatibility/2006">
+    <mc:Choice xmlns:p14="http://schemas.microsoft.com/office/powerpoint/2010/main" Requires="p14">
+      <p:transition xmlns:mc="http://schemas.openxmlformats.org/markup-compatibility/2006" xmlns:p14="http://schemas.microsoft.com/office/powerpoint/2010/main" mc:Ignorable="p14" p14:dur="500"/>
+    </mc:Choice>
+    <mc:Fallback>
+      <p:transition/>
+    </mc:Fallback>
+  </mc:AlternateContent>
+</p:sld>
+</file>
+
+<file path=ppt/slides/slide19.xml><?xml version="1.0" encoding="utf-8"?>
+<p:sld xmlns:r="http://schemas.openxmlformats.org/officeDocument/2006/relationships" xmlns:c="http://schemas.openxmlformats.org/drawingml/2006/chart" xmlns:a="http://schemas.openxmlformats.org/drawingml/2006/main" xmlns:dgm="http://schemas.openxmlformats.org/drawingml/2006/diagram" xmlns:dsp="http://schemas.microsoft.com/office/drawing/2008/diagram" xmlns:p="http://schemas.openxmlformats.org/presentationml/2006/main">
+  <p:cSld>
+    <p:spTree>
+      <p:nvGrpSpPr>
+        <p:cNvPr id="1" name=""/>
+        <p:cNvGrpSpPr/>
+        <p:nvPr/>
+      </p:nvGrpSpPr>
+      <p:grpSpPr>
+        <a:xfrm>
+          <a:off x="0" y="0"/>
+          <a:ext cx="0" cy="0"/>
+          <a:chOff x="0" y="0"/>
+          <a:chExt cx="0" cy="0"/>
+        </a:xfrm>
+      </p:grpSpPr>
+      <p:sp>
+        <p:nvSpPr>
+          <p:cNvPr id="2" name="제목 1"/>
+          <p:cNvSpPr>
+            <a:spLocks noGrp="1"/>
+          </p:cNvSpPr>
+          <p:nvPr>
+            <p:ph type="title" idx="0"/>
+          </p:nvPr>
+        </p:nvSpPr>
+        <p:spPr/>
+        <p:txBody>
+          <a:bodyPr/>
+          <a:p>
+            <a:pPr>
+              <a:defRPr/>
+            </a:pPr>
+            <a:r>
+              <a:rPr lang="ko-KR" altLang="en-US">
+                <a:latin typeface="맑은 고딕"/>
+                <a:ea typeface="맑은 고딕"/>
+              </a:rPr>
+              <a:t>마무리</a:t>
+            </a:r>
+            <a:endParaRPr lang="ko-KR" altLang="en-US">
+              <a:latin typeface="맑은 고딕"/>
+              <a:ea typeface="맑은 고딕"/>
+            </a:endParaRPr>
+          </a:p>
+        </p:txBody>
+      </p:sp>
+      <p:sp>
+        <p:nvSpPr>
+          <p:cNvPr id="3" name="내용 개체 틀 2"/>
+          <p:cNvSpPr>
+            <a:spLocks noGrp="1"/>
+          </p:cNvSpPr>
+          <p:nvPr>
+            <p:ph idx="1"/>
+          </p:nvPr>
+        </p:nvSpPr>
+        <p:spPr/>
+        <p:txBody>
+          <a:bodyPr>
+            <a:normAutofit lnSpcReduction="10000"/>
+          </a:bodyPr>
+          <a:p>
+            <a:pPr marL="342900" indent="-342900" algn="l" defTabSz="914400" rtl="0" eaLnBrk="1" latinLnBrk="1" hangingPunct="1">
               <a:lnSpc>
                 <a:spcPct val="100000"/>
               </a:lnSpc>
               <a:spcBef>
-                <a:spcPct val="0"/>
+                <a:spcPct val="20000"/>
               </a:spcBef>
               <a:spcAft>
                 <a:spcPts val="0"/>
               </a:spcAft>
-              <a:buNone/>
+              <a:buFont typeface="Arial"/>
+              <a:buChar char="•"/>
               <a:defRPr/>
             </a:pPr>
             <a:r>
-              <a:rPr xmlns:mc="http://schemas.openxmlformats.org/markup-compatibility/2006" xmlns:hp="http://schemas.haansoft.com/office/presentation/8.0" kumimoji="0" lang="en-US" altLang="ko-KR" sz="1800" b="0" i="0" u="none" strike="noStrike" kern="1200" cap="none" spc="0" normalizeH="0" baseline="0" mc:Ignorable="hp" hp:hslEmbossed="0">
-                <a:solidFill>
-                  <a:srgbClr val="ffffff"/>
-                </a:solidFill>
-                <a:latin typeface="맑은 고딕"/>
-                <a:cs typeface="맑은 고딕"/>
-              </a:rPr>
-              <a:t>Max Distance 10</a:t>
-            </a:r>
-            <a:r>
-              <a:rPr xmlns:mc="http://schemas.openxmlformats.org/markup-compatibility/2006" xmlns:hp="http://schemas.haansoft.com/office/presentation/8.0" kumimoji="0" lang="ko-KR" altLang="en-US" sz="1800" b="0" i="0" u="none" strike="noStrike" kern="1200" cap="none" spc="0" normalizeH="0" baseline="0" mc:Ignorable="hp" hp:hslEmbossed="0">
-                <a:solidFill>
-                  <a:srgbClr val="ffffff"/>
-                </a:solidFill>
-                <a:latin typeface="맑은 고딕"/>
-                <a:cs typeface="맑은 고딕"/>
-              </a:rPr>
-              <a:t>으로 변경</a:t>
-            </a:r>
-            <a:endParaRPr xmlns:mc="http://schemas.openxmlformats.org/markup-compatibility/2006" xmlns:hp="http://schemas.haansoft.com/office/presentation/8.0" kumimoji="0" lang="ko-KR" altLang="en-US" sz="1800" b="0" i="0" u="none" strike="noStrike" kern="1200" cap="none" spc="0" normalizeH="0" baseline="0" mc:Ignorable="hp" hp:hslEmbossed="0">
+              <a:rPr xmlns:mc="http://schemas.openxmlformats.org/markup-compatibility/2006" xmlns:hp="http://schemas.haansoft.com/office/presentation/8.0" kumimoji="0" lang="ko-KR" altLang="en-US" sz="2000" b="0" i="0" u="none" strike="noStrike" kern="1200" cap="none" spc="0" normalizeH="0" baseline="0" mc:Ignorable="hp" hp:hslEmbossed="0">
+                <a:solidFill>
+                  <a:schemeClr val="tx1"/>
+                </a:solidFill>
+                <a:latin typeface="맑은 고딕"/>
+                <a:ea typeface="맑은 고딕"/>
+              </a:rPr>
+              <a:t>이전에 작업했던 </a:t>
+            </a:r>
+            <a:r>
+              <a:rPr xmlns:mc="http://schemas.openxmlformats.org/markup-compatibility/2006" xmlns:hp="http://schemas.haansoft.com/office/presentation/8.0" kumimoji="0" lang="en-US" altLang="ko-KR" sz="2000" b="0" i="0" u="none" strike="noStrike" kern="1200" cap="none" spc="0" normalizeH="0" baseline="0" mc:Ignorable="hp" hp:hslEmbossed="0">
+                <a:solidFill>
+                  <a:schemeClr val="tx1"/>
+                </a:solidFill>
+                <a:latin typeface="맑은 고딕"/>
+                <a:ea typeface="맑은 고딕"/>
+              </a:rPr>
+              <a:t>Cube One Object</a:t>
+            </a:r>
+            <a:r>
+              <a:rPr xmlns:mc="http://schemas.openxmlformats.org/markup-compatibility/2006" xmlns:hp="http://schemas.haansoft.com/office/presentation/8.0" kumimoji="0" lang="ko-KR" altLang="en-US" sz="2000" b="0" i="0" u="none" strike="noStrike" kern="1200" cap="none" spc="0" normalizeH="0" baseline="0" mc:Ignorable="hp" hp:hslEmbossed="0">
+                <a:solidFill>
+                  <a:schemeClr val="tx1"/>
+                </a:solidFill>
+                <a:latin typeface="맑은 고딕"/>
+                <a:ea typeface="맑은 고딕"/>
+              </a:rPr>
+              <a:t>의 </a:t>
+            </a:r>
+            <a:r>
+              <a:rPr xmlns:mc="http://schemas.openxmlformats.org/markup-compatibility/2006" xmlns:hp="http://schemas.haansoft.com/office/presentation/8.0" kumimoji="0" lang="en-US" altLang="ko-KR" sz="2000" b="0" i="0" u="none" strike="noStrike" kern="1200" cap="none" spc="0" normalizeH="0" baseline="0" mc:Ignorable="hp" hp:hslEmbossed="0">
+                <a:solidFill>
+                  <a:schemeClr val="tx1"/>
+                </a:solidFill>
+                <a:latin typeface="맑은 고딕"/>
+                <a:ea typeface="맑은 고딕"/>
+              </a:rPr>
+              <a:t>AudioSource Component</a:t>
+            </a:r>
+            <a:r>
+              <a:rPr xmlns:mc="http://schemas.openxmlformats.org/markup-compatibility/2006" xmlns:hp="http://schemas.haansoft.com/office/presentation/8.0" kumimoji="0" lang="ko-KR" altLang="en-US" sz="2000" b="0" i="0" u="none" strike="noStrike" kern="1200" cap="none" spc="0" normalizeH="0" baseline="0" mc:Ignorable="hp" hp:hslEmbossed="0">
+                <a:solidFill>
+                  <a:schemeClr val="tx1"/>
+                </a:solidFill>
+                <a:latin typeface="맑은 고딕"/>
+                <a:ea typeface="맑은 고딕"/>
+              </a:rPr>
+              <a:t>와 </a:t>
+            </a:r>
+            <a:r>
+              <a:rPr xmlns:mc="http://schemas.openxmlformats.org/markup-compatibility/2006" xmlns:hp="http://schemas.haansoft.com/office/presentation/8.0" kumimoji="0" lang="en-US" altLang="ko-KR" sz="2000" b="0" i="0" u="none" strike="noStrike" kern="1200" cap="none" spc="0" normalizeH="0" baseline="0" mc:Ignorable="hp" hp:hslEmbossed="0">
+                <a:solidFill>
+                  <a:schemeClr val="tx1"/>
+                </a:solidFill>
+                <a:latin typeface="맑은 고딕"/>
+                <a:ea typeface="맑은 고딕"/>
+              </a:rPr>
+              <a:t>TestSound Component, TestSound Script,</a:t>
+            </a:r>
+            <a:r>
+              <a:rPr xmlns:mc="http://schemas.openxmlformats.org/markup-compatibility/2006" xmlns:hp="http://schemas.haansoft.com/office/presentation/8.0" kumimoji="0" lang="ko-KR" altLang="en-US" sz="2000" b="0" i="0" u="none" strike="noStrike" kern="1200" cap="none" spc="0" normalizeH="0" baseline="0" mc:Ignorable="hp" hp:hslEmbossed="0">
+                <a:solidFill>
+                  <a:schemeClr val="tx1"/>
+                </a:solidFill>
+                <a:latin typeface="맑은 고딕"/>
+                <a:ea typeface="맑은 고딕"/>
+              </a:rPr>
+              <a:t> </a:t>
+            </a:r>
+            <a:r>
+              <a:rPr xmlns:mc="http://schemas.openxmlformats.org/markup-compatibility/2006" xmlns:hp="http://schemas.haansoft.com/office/presentation/8.0" kumimoji="0" lang="en-US" altLang="ko-KR" sz="2000" b="0" i="0" u="none" strike="noStrike" kern="1200" cap="none" spc="0" normalizeH="0" baseline="0" mc:Ignorable="hp" hp:hslEmbossed="0">
+                <a:solidFill>
+                  <a:schemeClr val="tx1"/>
+                </a:solidFill>
+                <a:latin typeface="맑은 고딕"/>
+                <a:ea typeface="맑은 고딕"/>
+              </a:rPr>
+              <a:t>UnityChan</a:t>
+            </a:r>
+            <a:r>
+              <a:rPr xmlns:mc="http://schemas.openxmlformats.org/markup-compatibility/2006" xmlns:hp="http://schemas.haansoft.com/office/presentation/8.0" kumimoji="0" lang="ko-KR" altLang="en-US" sz="2000" b="0" i="0" u="none" strike="noStrike" kern="1200" cap="none" spc="0" normalizeH="0" baseline="0" mc:Ignorable="hp" hp:hslEmbossed="0">
+                <a:solidFill>
+                  <a:schemeClr val="tx1"/>
+                </a:solidFill>
+                <a:latin typeface="맑은 고딕"/>
+                <a:ea typeface="맑은 고딕"/>
+              </a:rPr>
+              <a:t>의 </a:t>
+            </a:r>
+            <a:r>
+              <a:rPr xmlns:mc="http://schemas.openxmlformats.org/markup-compatibility/2006" xmlns:hp="http://schemas.haansoft.com/office/presentation/8.0" kumimoji="0" lang="en-US" altLang="ko-KR" sz="2000" b="0" i="0" u="none" strike="noStrike" kern="1200" cap="none" spc="0" normalizeH="0" baseline="0" mc:Ignorable="hp" hp:hslEmbossed="0">
+                <a:solidFill>
+                  <a:schemeClr val="tx1"/>
+                </a:solidFill>
+                <a:latin typeface="맑은 고딕"/>
+                <a:ea typeface="맑은 고딕"/>
+              </a:rPr>
+              <a:t>AudioListener Component</a:t>
+            </a:r>
+            <a:r>
+              <a:rPr xmlns:mc="http://schemas.openxmlformats.org/markup-compatibility/2006" xmlns:hp="http://schemas.haansoft.com/office/presentation/8.0" kumimoji="0" lang="ko-KR" altLang="en-US" sz="2000" b="0" i="0" u="none" strike="noStrike" kern="1200" cap="none" spc="0" normalizeH="0" baseline="0" mc:Ignorable="hp" hp:hslEmbossed="0">
+                <a:solidFill>
+                  <a:schemeClr val="tx1"/>
+                </a:solidFill>
+                <a:latin typeface="맑은 고딕"/>
+                <a:ea typeface="맑은 고딕"/>
+              </a:rPr>
+              <a:t> 삭제</a:t>
+            </a:r>
+            <a:r>
+              <a:rPr xmlns:mc="http://schemas.openxmlformats.org/markup-compatibility/2006" xmlns:hp="http://schemas.haansoft.com/office/presentation/8.0" kumimoji="0" lang="en-US" altLang="ko-KR" sz="2000" b="0" i="0" u="none" strike="noStrike" kern="1200" cap="none" spc="0" normalizeH="0" baseline="0" mc:Ignorable="hp" hp:hslEmbossed="0">
+                <a:solidFill>
+                  <a:schemeClr val="tx1"/>
+                </a:solidFill>
+                <a:latin typeface="맑은 고딕"/>
+                <a:ea typeface="맑은 고딕"/>
+              </a:rPr>
+              <a:t>,</a:t>
+            </a:r>
+            <a:r>
+              <a:rPr xmlns:mc="http://schemas.openxmlformats.org/markup-compatibility/2006" xmlns:hp="http://schemas.haansoft.com/office/presentation/8.0" kumimoji="0" lang="ko-KR" altLang="en-US" sz="2000" b="0" i="0" u="none" strike="noStrike" kern="1200" cap="none" spc="0" normalizeH="0" baseline="0" mc:Ignorable="hp" hp:hslEmbossed="0">
+                <a:solidFill>
+                  <a:schemeClr val="tx1"/>
+                </a:solidFill>
+                <a:latin typeface="맑은 고딕"/>
+                <a:ea typeface="맑은 고딕"/>
+              </a:rPr>
+              <a:t> 그리고</a:t>
+            </a:r>
+            <a:r>
+              <a:rPr xmlns:mc="http://schemas.openxmlformats.org/markup-compatibility/2006" xmlns:hp="http://schemas.haansoft.com/office/presentation/8.0" kumimoji="0" lang="en-US" altLang="ko-KR" sz="2000" b="0" i="0" u="none" strike="noStrike" kern="1200" cap="none" spc="0" normalizeH="0" baseline="0" mc:Ignorable="hp" hp:hslEmbossed="0">
+                <a:solidFill>
+                  <a:schemeClr val="tx1"/>
+                </a:solidFill>
+                <a:latin typeface="맑은 고딕"/>
+                <a:ea typeface="맑은 고딕"/>
+              </a:rPr>
+              <a:t> MainCamera</a:t>
+            </a:r>
+            <a:r>
+              <a:rPr xmlns:mc="http://schemas.openxmlformats.org/markup-compatibility/2006" xmlns:hp="http://schemas.haansoft.com/office/presentation/8.0" kumimoji="0" lang="ko-KR" altLang="en-US" sz="2000" b="0" i="0" u="none" strike="noStrike" kern="1200" cap="none" spc="0" normalizeH="0" baseline="0" mc:Ignorable="hp" hp:hslEmbossed="0">
+                <a:solidFill>
+                  <a:schemeClr val="tx1"/>
+                </a:solidFill>
+                <a:latin typeface="맑은 고딕"/>
+                <a:ea typeface="맑은 고딕"/>
+              </a:rPr>
+              <a:t>에서 </a:t>
+            </a:r>
+            <a:r>
+              <a:rPr xmlns:mc="http://schemas.openxmlformats.org/markup-compatibility/2006" xmlns:hp="http://schemas.haansoft.com/office/presentation/8.0" kumimoji="0" lang="en-US" altLang="ko-KR" sz="2000" b="0" i="0" u="none" strike="noStrike" kern="1200" cap="none" spc="0" normalizeH="0" baseline="0" mc:Ignorable="hp" hp:hslEmbossed="0">
+                <a:solidFill>
+                  <a:schemeClr val="tx1"/>
+                </a:solidFill>
+                <a:latin typeface="맑은 고딕"/>
+                <a:ea typeface="맑은 고딕"/>
+              </a:rPr>
+              <a:t>AudioListener Component</a:t>
+            </a:r>
+            <a:r>
+              <a:rPr xmlns:mc="http://schemas.openxmlformats.org/markup-compatibility/2006" xmlns:hp="http://schemas.haansoft.com/office/presentation/8.0" kumimoji="0" lang="ko-KR" altLang="en-US" sz="2000" b="0" i="0" u="none" strike="noStrike" kern="1200" cap="none" spc="0" normalizeH="0" baseline="0" mc:Ignorable="hp" hp:hslEmbossed="0">
+                <a:solidFill>
+                  <a:schemeClr val="tx1"/>
+                </a:solidFill>
+                <a:latin typeface="맑은 고딕"/>
+                <a:ea typeface="맑은 고딕"/>
+              </a:rPr>
+              <a:t> 켜주기</a:t>
+            </a:r>
+            <a:endParaRPr xmlns:mc="http://schemas.openxmlformats.org/markup-compatibility/2006" xmlns:hp="http://schemas.haansoft.com/office/presentation/8.0" kumimoji="0" lang="ko-KR" altLang="en-US" sz="2000" b="0" i="0" u="none" strike="noStrike" kern="1200" cap="none" spc="0" normalizeH="0" baseline="0" mc:Ignorable="hp" hp:hslEmbossed="0">
               <a:solidFill>
-                <a:srgbClr val="ffffff"/>
+                <a:schemeClr val="tx1"/>
               </a:solidFill>
               <a:latin typeface="맑은 고딕"/>
-              <a:cs typeface="맑은 고딕"/>
-            </a:endParaRPr>
-          </a:p>
-          <a:p>
-            <a:pPr marL="0" indent="0" algn="l" defTabSz="914400" rtl="0" eaLnBrk="1" latinLnBrk="1" hangingPunct="1">
-              <a:lnSpc>
-                <a:spcPct val="100000"/>
-              </a:lnSpc>
-              <a:spcBef>
-                <a:spcPct val="0"/>
-              </a:spcBef>
-              <a:spcAft>
-                <a:spcPts val="0"/>
-              </a:spcAft>
-              <a:buNone/>
-              <a:defRPr/>
-            </a:pPr>
-            <a:endParaRPr xmlns:mc="http://schemas.openxmlformats.org/markup-compatibility/2006" xmlns:hp="http://schemas.haansoft.com/office/presentation/8.0" kumimoji="0" lang="ko-KR" altLang="en-US" sz="1800" b="0" i="0" u="none" strike="noStrike" kern="1200" cap="none" spc="0" normalizeH="0" baseline="0" mc:Ignorable="hp" hp:hslEmbossed="0">
-              <a:solidFill>
-                <a:srgbClr val="ffffff"/>
-              </a:solidFill>
-              <a:latin typeface="맑은 고딕"/>
-              <a:cs typeface="맑은 고딕"/>
-            </a:endParaRPr>
-          </a:p>
-          <a:p>
-            <a:pPr marL="0" indent="0" algn="l" defTabSz="914400" rtl="0" eaLnBrk="1" latinLnBrk="1" hangingPunct="1">
-              <a:lnSpc>
-                <a:spcPct val="100000"/>
-              </a:lnSpc>
-              <a:spcBef>
-                <a:spcPct val="0"/>
-              </a:spcBef>
-              <a:spcAft>
-                <a:spcPts val="0"/>
-              </a:spcAft>
-              <a:buNone/>
-              <a:defRPr/>
-            </a:pPr>
-            <a:r>
-              <a:rPr xmlns:mc="http://schemas.openxmlformats.org/markup-compatibility/2006" xmlns:hp="http://schemas.haansoft.com/office/presentation/8.0" kumimoji="0" lang="en-US" altLang="ko-KR" sz="1800" b="0" i="0" u="none" strike="noStrike" kern="1200" cap="none" spc="0" normalizeH="0" baseline="0" mc:Ignorable="hp" hp:hslEmbossed="0">
-                <a:solidFill>
-                  <a:srgbClr val="ffffff"/>
-                </a:solidFill>
-                <a:latin typeface="맑은 고딕"/>
-                <a:cs typeface="맑은 고딕"/>
-              </a:rPr>
-              <a:t>Min Distance : </a:t>
-            </a:r>
-            <a:r>
-              <a:rPr xmlns:mc="http://schemas.openxmlformats.org/markup-compatibility/2006" xmlns:hp="http://schemas.haansoft.com/office/presentation/8.0" kumimoji="0" lang="ko-KR" altLang="en-US" sz="1800" b="0" i="0" u="none" strike="noStrike" kern="1200" cap="none" spc="0" normalizeH="0" baseline="0" mc:Ignorable="hp" hp:hslEmbossed="0">
-                <a:solidFill>
-                  <a:srgbClr val="ffffff"/>
-                </a:solidFill>
-                <a:latin typeface="맑은 고딕"/>
-                <a:cs typeface="맑은 고딕"/>
-              </a:rPr>
-              <a:t>소리들리는 최소 거리</a:t>
-            </a:r>
-            <a:endParaRPr xmlns:mc="http://schemas.openxmlformats.org/markup-compatibility/2006" xmlns:hp="http://schemas.haansoft.com/office/presentation/8.0" kumimoji="0" lang="ko-KR" altLang="en-US" sz="1800" b="0" i="0" u="none" strike="noStrike" kern="1200" cap="none" spc="0" normalizeH="0" baseline="0" mc:Ignorable="hp" hp:hslEmbossed="0">
-              <a:solidFill>
-                <a:srgbClr val="ffffff"/>
-              </a:solidFill>
-              <a:latin typeface="맑은 고딕"/>
-              <a:cs typeface="맑은 고딕"/>
-            </a:endParaRPr>
-          </a:p>
-          <a:p>
-            <a:pPr marL="0" indent="0" algn="l" defTabSz="914400" rtl="0" eaLnBrk="1" latinLnBrk="1" hangingPunct="1">
-              <a:lnSpc>
-                <a:spcPct val="100000"/>
-              </a:lnSpc>
-              <a:spcBef>
-                <a:spcPct val="0"/>
-              </a:spcBef>
-              <a:spcAft>
-                <a:spcPts val="0"/>
-              </a:spcAft>
-              <a:buNone/>
-              <a:defRPr/>
-            </a:pPr>
-            <a:r>
-              <a:rPr xmlns:mc="http://schemas.openxmlformats.org/markup-compatibility/2006" xmlns:hp="http://schemas.haansoft.com/office/presentation/8.0" kumimoji="0" lang="en-US" altLang="ko-KR" sz="1800" b="0" i="0" u="none" strike="noStrike" kern="1200" cap="none" spc="0" normalizeH="0" baseline="0" mc:Ignorable="hp" hp:hslEmbossed="0">
-                <a:solidFill>
-                  <a:srgbClr val="ffffff"/>
-                </a:solidFill>
-                <a:latin typeface="맑은 고딕"/>
-                <a:cs typeface="맑은 고딕"/>
-              </a:rPr>
-              <a:t>Max Distance : </a:t>
-            </a:r>
-            <a:r>
-              <a:rPr xmlns:mc="http://schemas.openxmlformats.org/markup-compatibility/2006" xmlns:hp="http://schemas.haansoft.com/office/presentation/8.0" kumimoji="0" lang="ko-KR" altLang="en-US" sz="1800" b="0" i="0" u="none" strike="noStrike" kern="1200" cap="none" spc="0" normalizeH="0" baseline="0" mc:Ignorable="hp" hp:hslEmbossed="0">
-                <a:solidFill>
-                  <a:srgbClr val="ffffff"/>
-                </a:solidFill>
-                <a:latin typeface="맑은 고딕"/>
-                <a:cs typeface="맑은 고딕"/>
-              </a:rPr>
-              <a:t>소리들리는 최대 거리</a:t>
-            </a:r>
-            <a:endParaRPr xmlns:mc="http://schemas.openxmlformats.org/markup-compatibility/2006" xmlns:hp="http://schemas.haansoft.com/office/presentation/8.0" kumimoji="0" lang="ko-KR" altLang="en-US" sz="1800" b="0" i="0" u="none" strike="noStrike" kern="1200" cap="none" spc="0" normalizeH="0" baseline="0" mc:Ignorable="hp" hp:hslEmbossed="0">
-              <a:solidFill>
-                <a:srgbClr val="ffffff"/>
-              </a:solidFill>
-              <a:latin typeface="맑은 고딕"/>
-              <a:cs typeface="맑은 고딕"/>
+              <a:ea typeface="맑은 고딕"/>
             </a:endParaRPr>
           </a:p>
         </p:txBody>
@@ -6186,7 +7788,7 @@
     </p:spTree>
     <p:extLst>
       <p:ext uri="{BB962C8B-B14F-4D97-AF65-F5344CB8AC3E}">
-        <p14:creationId xmlns:p14="http://schemas.microsoft.com/office/powerpoint/2010/main" val="2203345092"/>
+        <p14:creationId xmlns:p14="http://schemas.microsoft.com/office/powerpoint/2010/main" val="667246849"/>
       </p:ext>
     </p:extLst>
   </p:cSld>
